--- a/6.374_FinalPrj.pptx
+++ b/6.374_FinalPrj.pptx
@@ -11,17 +11,17 @@
     <p:sldId id="256" r:id="rId2"/>
     <p:sldId id="257" r:id="rId3"/>
     <p:sldId id="258" r:id="rId4"/>
-    <p:sldId id="265" r:id="rId5"/>
-    <p:sldId id="259" r:id="rId6"/>
-    <p:sldId id="260" r:id="rId7"/>
-    <p:sldId id="261" r:id="rId8"/>
-    <p:sldId id="262" r:id="rId9"/>
-    <p:sldId id="263" r:id="rId10"/>
-    <p:sldId id="264" r:id="rId11"/>
-    <p:sldId id="266" r:id="rId12"/>
-    <p:sldId id="269" r:id="rId13"/>
-    <p:sldId id="267" r:id="rId14"/>
-    <p:sldId id="270" r:id="rId15"/>
+    <p:sldId id="259" r:id="rId5"/>
+    <p:sldId id="260" r:id="rId6"/>
+    <p:sldId id="261" r:id="rId7"/>
+    <p:sldId id="262" r:id="rId8"/>
+    <p:sldId id="263" r:id="rId9"/>
+    <p:sldId id="264" r:id="rId10"/>
+    <p:sldId id="266" r:id="rId11"/>
+    <p:sldId id="269" r:id="rId12"/>
+    <p:sldId id="267" r:id="rId13"/>
+    <p:sldId id="270" r:id="rId14"/>
+    <p:sldId id="271" r:id="rId15"/>
     <p:sldId id="268" r:id="rId16"/>
   </p:sldIdLst>
   <p:sldSz cx="9144000" cy="6858000" type="screen4x3"/>
@@ -6540,7 +6540,6 @@
               <a:rPr lang="en-US" sz="2800" dirty="0"/>
               <a:t>Monte Carlo Algorithm for Leakage Optimization Based on Input Vector Control</a:t>
             </a:r>
-            <a:endParaRPr lang="en-US" sz="2800" dirty="0"/>
           </a:p>
         </p:txBody>
       </p:sp>
@@ -6645,7 +6644,7 @@
           <a:p>
             <a:r>
               <a:rPr lang="en-US" dirty="0" smtClean="0"/>
-              <a:t>Extra heuristics</a:t>
+              <a:t>Results and Discussion</a:t>
             </a:r>
             <a:endParaRPr lang="en-US" dirty="0"/>
           </a:p>
@@ -6661,68 +6660,37 @@
             <p:ph idx="1"/>
           </p:nvPr>
         </p:nvSpPr>
-        <p:spPr>
-          <a:xfrm>
-            <a:off x="827699" y="2052925"/>
-            <a:ext cx="7307633" cy="4195481"/>
-          </a:xfrm>
-        </p:spPr>
+        <p:spPr/>
         <p:txBody>
           <a:bodyPr/>
           <a:lstStyle/>
           <a:p>
             <a:r>
               <a:rPr lang="en-US" dirty="0" smtClean="0"/>
-              <a:t>Since only one bit is flipped, possibility of getting stuck</a:t>
+              <a:t>Everything implemented in Java</a:t>
             </a:r>
           </a:p>
           <a:p>
             <a:pPr lvl="1"/>
             <a:r>
               <a:rPr lang="en-US" dirty="0" smtClean="0"/>
-              <a:t>T=0.5</a:t>
-            </a:r>
-            <a:endParaRPr lang="en-US" dirty="0"/>
+              <a:t>2535 lines of code</a:t>
+            </a:r>
           </a:p>
           <a:p>
             <a:pPr lvl="1"/>
+            <a:endParaRPr lang="en-US" dirty="0" smtClean="0"/>
+          </a:p>
+          <a:p>
             <a:r>
               <a:rPr lang="en-US" dirty="0" smtClean="0"/>
-              <a:t>0000000011000000	10</a:t>
-            </a:r>
-          </a:p>
-          <a:p>
-            <a:pPr lvl="1"/>
+              <a:t>NOT, AND, OR, NAND, NOR, XOR, FA, etc. tens of gates extracted from GSCLIB090 technology library.</a:t>
+            </a:r>
+          </a:p>
+          <a:p>
             <a:r>
               <a:rPr lang="en-US" dirty="0" smtClean="0"/>
-              <a:t>0000000010000000	15</a:t>
-            </a:r>
-          </a:p>
-          <a:p>
-            <a:pPr lvl="1"/>
-            <a:r>
-              <a:rPr lang="en-US" dirty="0" smtClean="0"/>
-              <a:t>0000000001000000	15</a:t>
-            </a:r>
-          </a:p>
-          <a:p>
-            <a:pPr lvl="1"/>
-            <a:r>
-              <a:rPr lang="en-US" dirty="0" smtClean="0"/>
-              <a:t>0000000000000000	8</a:t>
-            </a:r>
-          </a:p>
-          <a:p>
-            <a:r>
-              <a:rPr lang="en-US" dirty="0" smtClean="0"/>
-              <a:t>Solution: Do relaxation after several iterations</a:t>
-            </a:r>
-          </a:p>
-          <a:p>
-            <a:pPr lvl="1"/>
-            <a:r>
-              <a:rPr lang="en-US" dirty="0" smtClean="0"/>
-              <a:t>Enumerate and try all possible two-bit flips</a:t>
+              <a:t>Tested on a number of benchmark circuits</a:t>
             </a:r>
             <a:endParaRPr lang="en-US" dirty="0"/>
           </a:p>
@@ -6754,7 +6722,7 @@
     </p:spTree>
     <p:extLst>
       <p:ext uri="{BB962C8B-B14F-4D97-AF65-F5344CB8AC3E}">
-        <p14:creationId xmlns:p14="http://schemas.microsoft.com/office/powerpoint/2010/main" val="1208926355"/>
+        <p14:creationId xmlns:p14="http://schemas.microsoft.com/office/powerpoint/2010/main" val="2910876769"/>
       </p:ext>
     </p:extLst>
   </p:cSld>
@@ -6805,135 +6773,6 @@
           <a:p>
             <a:r>
               <a:rPr lang="en-US" dirty="0" smtClean="0"/>
-              <a:t>Results and Discussion</a:t>
-            </a:r>
-            <a:endParaRPr lang="en-US" dirty="0"/>
-          </a:p>
-        </p:txBody>
-      </p:sp>
-      <p:sp>
-        <p:nvSpPr>
-          <p:cNvPr id="3" name="Content Placeholder 2"/>
-          <p:cNvSpPr>
-            <a:spLocks noGrp="1"/>
-          </p:cNvSpPr>
-          <p:nvPr>
-            <p:ph idx="1"/>
-          </p:nvPr>
-        </p:nvSpPr>
-        <p:spPr/>
-        <p:txBody>
-          <a:bodyPr/>
-          <a:lstStyle/>
-          <a:p>
-            <a:r>
-              <a:rPr lang="en-US" dirty="0" smtClean="0"/>
-              <a:t>Everything implemented in Java</a:t>
-            </a:r>
-          </a:p>
-          <a:p>
-            <a:pPr lvl="1"/>
-            <a:r>
-              <a:rPr lang="en-US" dirty="0" smtClean="0"/>
-              <a:t>2535 lines of code</a:t>
-            </a:r>
-          </a:p>
-          <a:p>
-            <a:pPr lvl="1"/>
-            <a:endParaRPr lang="en-US" dirty="0" smtClean="0"/>
-          </a:p>
-          <a:p>
-            <a:r>
-              <a:rPr lang="en-US" dirty="0" smtClean="0"/>
-              <a:t>NOT, AND, OR, NAND, NOR, XOR, FA, etc. tens of gates extracted from GSCLIB090 technology library.</a:t>
-            </a:r>
-          </a:p>
-          <a:p>
-            <a:r>
-              <a:rPr lang="en-US" dirty="0" smtClean="0"/>
-              <a:t>Tested on a number of benchmark circuits</a:t>
-            </a:r>
-            <a:endParaRPr lang="en-US" dirty="0"/>
-          </a:p>
-        </p:txBody>
-      </p:sp>
-      <p:sp>
-        <p:nvSpPr>
-          <p:cNvPr id="4" name="Slide Number Placeholder 3"/>
-          <p:cNvSpPr>
-            <a:spLocks noGrp="1"/>
-          </p:cNvSpPr>
-          <p:nvPr>
-            <p:ph type="sldNum" sz="quarter" idx="12"/>
-          </p:nvPr>
-        </p:nvSpPr>
-        <p:spPr/>
-        <p:txBody>
-          <a:bodyPr/>
-          <a:lstStyle/>
-          <a:p>
-            <a:fld id="{D57F1E4F-1CFF-5643-939E-02111984F565}" type="slidenum">
-              <a:rPr lang="en-US" smtClean="0"/>
-              <a:t>11</a:t>
-            </a:fld>
-            <a:endParaRPr lang="en-US" dirty="0"/>
-          </a:p>
-        </p:txBody>
-      </p:sp>
-    </p:spTree>
-    <p:extLst>
-      <p:ext uri="{BB962C8B-B14F-4D97-AF65-F5344CB8AC3E}">
-        <p14:creationId xmlns:p14="http://schemas.microsoft.com/office/powerpoint/2010/main" val="2910876769"/>
-      </p:ext>
-    </p:extLst>
-  </p:cSld>
-  <p:clrMapOvr>
-    <a:masterClrMapping/>
-  </p:clrMapOvr>
-  <p:timing>
-    <p:tnLst>
-      <p:par>
-        <p:cTn id="1" dur="indefinite" restart="never" nodeType="tmRoot"/>
-      </p:par>
-    </p:tnLst>
-  </p:timing>
-</p:sld>
-</file>
-
-<file path=ppt/slides/slide12.xml><?xml version="1.0" encoding="utf-8"?>
-<p:sld xmlns:a="http://schemas.openxmlformats.org/drawingml/2006/main" xmlns:r="http://schemas.openxmlformats.org/officeDocument/2006/relationships" xmlns:p="http://schemas.openxmlformats.org/presentationml/2006/main">
-  <p:cSld>
-    <p:spTree>
-      <p:nvGrpSpPr>
-        <p:cNvPr id="1" name=""/>
-        <p:cNvGrpSpPr/>
-        <p:nvPr/>
-      </p:nvGrpSpPr>
-      <p:grpSpPr>
-        <a:xfrm>
-          <a:off x="0" y="0"/>
-          <a:ext cx="0" cy="0"/>
-          <a:chOff x="0" y="0"/>
-          <a:chExt cx="0" cy="0"/>
-        </a:xfrm>
-      </p:grpSpPr>
-      <p:sp>
-        <p:nvSpPr>
-          <p:cNvPr id="2" name="Title 1"/>
-          <p:cNvSpPr>
-            <a:spLocks noGrp="1"/>
-          </p:cNvSpPr>
-          <p:nvPr>
-            <p:ph type="title"/>
-          </p:nvPr>
-        </p:nvSpPr>
-        <p:spPr/>
-        <p:txBody>
-          <a:bodyPr/>
-          <a:lstStyle/>
-          <a:p>
-            <a:r>
-              <a:rPr lang="en-US" dirty="0" smtClean="0"/>
               <a:t>Simulated Annealing</a:t>
             </a:r>
             <a:endParaRPr lang="en-US" dirty="0"/>
@@ -6988,7 +6827,7 @@
           <a:p>
             <a:fld id="{D57F1E4F-1CFF-5643-939E-02111984F565}" type="slidenum">
               <a:rPr lang="en-US" smtClean="0"/>
-              <a:t>12</a:t>
+              <a:t>11</a:t>
             </a:fld>
             <a:endParaRPr lang="en-US" dirty="0"/>
           </a:p>
@@ -7117,7 +6956,7 @@
 </p:sld>
 </file>
 
-<file path=ppt/slides/slide13.xml><?xml version="1.0" encoding="utf-8"?>
+<file path=ppt/slides/slide12.xml><?xml version="1.0" encoding="utf-8"?>
 <p:sld xmlns:a="http://schemas.openxmlformats.org/drawingml/2006/main" xmlns:r="http://schemas.openxmlformats.org/officeDocument/2006/relationships" xmlns:p="http://schemas.openxmlformats.org/presentationml/2006/main">
   <p:cSld>
     <p:spTree>
@@ -7174,7 +7013,7 @@
           <a:p>
             <a:fld id="{D57F1E4F-1CFF-5643-939E-02111984F565}" type="slidenum">
               <a:rPr lang="en-US" smtClean="0"/>
-              <a:t>13</a:t>
+              <a:t>12</a:t>
             </a:fld>
             <a:endParaRPr lang="en-US" dirty="0"/>
           </a:p>
@@ -7388,12 +7227,24 @@
                         </a:spcAft>
                       </a:pPr>
                       <a:r>
-                        <a:rPr lang="en-US" sz="1400" kern="100">
+                        <a:rPr lang="en-US" sz="1400" kern="100" dirty="0">
                           <a:effectLst/>
                         </a:rPr>
-                        <a:t>Avg. annealing Leakage(nA)</a:t>
+                        <a:t>Avg. annealing Leakage(</a:t>
                       </a:r>
-                      <a:endParaRPr lang="en-US" sz="2400" kern="100">
+                      <a:r>
+                        <a:rPr lang="en-US" sz="1400" kern="100" dirty="0" err="1">
+                          <a:effectLst/>
+                        </a:rPr>
+                        <a:t>nA</a:t>
+                      </a:r>
+                      <a:r>
+                        <a:rPr lang="en-US" sz="1400" kern="100" dirty="0">
+                          <a:effectLst/>
+                        </a:rPr>
+                        <a:t>)</a:t>
+                      </a:r>
+                      <a:endParaRPr lang="en-US" sz="2400" kern="100" dirty="0">
                         <a:effectLst/>
                         <a:latin typeface="Times New Roman" panose="02020603050405020304" pitchFamily="18" charset="0"/>
                         <a:ea typeface="PMingLiU" panose="02020500000000000000" pitchFamily="18" charset="-120"/>
@@ -8141,12 +7992,12 @@
                         </a:spcAft>
                       </a:pPr>
                       <a:r>
-                        <a:rPr lang="en-US" sz="1400" kern="100">
+                        <a:rPr lang="en-US" sz="1400" kern="100" dirty="0">
                           <a:effectLst/>
                         </a:rPr>
                         <a:t>1.008</a:t>
                       </a:r>
-                      <a:endParaRPr lang="en-US" sz="2400" kern="100">
+                      <a:endParaRPr lang="en-US" sz="2400" kern="100" dirty="0">
                         <a:effectLst/>
                         <a:latin typeface="Times New Roman" panose="02020603050405020304" pitchFamily="18" charset="0"/>
                         <a:ea typeface="PMingLiU" panose="02020500000000000000" pitchFamily="18" charset="-120"/>
@@ -8311,12 +8162,12 @@
                         </a:spcAft>
                       </a:pPr>
                       <a:r>
-                        <a:rPr lang="en-US" sz="1400" kern="100">
+                        <a:rPr lang="en-US" sz="1400" kern="100" dirty="0">
                           <a:effectLst/>
                         </a:rPr>
                         <a:t>9815.9</a:t>
                       </a:r>
-                      <a:endParaRPr lang="en-US" sz="2400" kern="100">
+                      <a:endParaRPr lang="en-US" sz="2400" kern="100" dirty="0">
                         <a:effectLst/>
                         <a:latin typeface="Times New Roman" panose="02020603050405020304" pitchFamily="18" charset="0"/>
                         <a:ea typeface="PMingLiU" panose="02020500000000000000" pitchFamily="18" charset="-120"/>
@@ -8367,12 +8218,12 @@
                         </a:spcAft>
                       </a:pPr>
                       <a:r>
-                        <a:rPr lang="en-US" sz="1400" kern="100">
+                        <a:rPr lang="en-US" sz="1400" kern="100" dirty="0">
                           <a:effectLst/>
                         </a:rPr>
                         <a:t>1.010</a:t>
                       </a:r>
-                      <a:endParaRPr lang="en-US" sz="2400" kern="100">
+                      <a:endParaRPr lang="en-US" sz="2400" kern="100" dirty="0">
                         <a:effectLst/>
                         <a:latin typeface="Times New Roman" panose="02020603050405020304" pitchFamily="18" charset="0"/>
                         <a:ea typeface="PMingLiU" panose="02020500000000000000" pitchFamily="18" charset="-120"/>
@@ -8481,12 +8332,12 @@
                         </a:spcAft>
                       </a:pPr>
                       <a:r>
-                        <a:rPr lang="en-US" sz="1400" kern="100">
+                        <a:rPr lang="en-US" sz="1400" kern="100" dirty="0">
                           <a:effectLst/>
                         </a:rPr>
                         <a:t>11081.9</a:t>
                       </a:r>
-                      <a:endParaRPr lang="en-US" sz="2400" kern="100">
+                      <a:endParaRPr lang="en-US" sz="2400" kern="100" dirty="0">
                         <a:effectLst/>
                         <a:latin typeface="Times New Roman" panose="02020603050405020304" pitchFamily="18" charset="0"/>
                         <a:ea typeface="PMingLiU" panose="02020500000000000000" pitchFamily="18" charset="-120"/>
@@ -8849,12 +8700,12 @@
                         </a:spcAft>
                       </a:pPr>
                       <a:r>
-                        <a:rPr lang="en-US" sz="1400" kern="100">
+                        <a:rPr lang="en-US" sz="1400" kern="100" dirty="0">
                           <a:effectLst/>
                         </a:rPr>
                         <a:t>C6288</a:t>
                       </a:r>
-                      <a:endParaRPr lang="en-US" sz="2400" kern="100">
+                      <a:endParaRPr lang="en-US" sz="2400" kern="100" dirty="0">
                         <a:effectLst/>
                         <a:latin typeface="Times New Roman" panose="02020603050405020304" pitchFamily="18" charset="0"/>
                         <a:ea typeface="PMingLiU" panose="02020500000000000000" pitchFamily="18" charset="-120"/>
@@ -8933,12 +8784,12 @@
                         </a:spcAft>
                       </a:pPr>
                       <a:r>
-                        <a:rPr lang="en-US" sz="1400" kern="100">
+                        <a:rPr lang="en-US" sz="1400" kern="100" dirty="0">
                           <a:effectLst/>
                         </a:rPr>
                         <a:t>75939.3</a:t>
                       </a:r>
-                      <a:endParaRPr lang="en-US" sz="2400" kern="100">
+                      <a:endParaRPr lang="en-US" sz="2400" kern="100" dirty="0">
                         <a:effectLst/>
                         <a:latin typeface="Times New Roman" panose="02020603050405020304" pitchFamily="18" charset="0"/>
                         <a:ea typeface="PMingLiU" panose="02020500000000000000" pitchFamily="18" charset="-120"/>
@@ -9075,12 +8926,12 @@
                         </a:spcAft>
                       </a:pPr>
                       <a:r>
-                        <a:rPr lang="en-US" sz="1400" kern="100">
+                        <a:rPr lang="en-US" sz="1400" kern="100" dirty="0">
                           <a:effectLst/>
                         </a:rPr>
                         <a:t>C7552</a:t>
                       </a:r>
-                      <a:endParaRPr lang="en-US" sz="2400" kern="100">
+                      <a:endParaRPr lang="en-US" sz="2400" kern="100" dirty="0">
                         <a:effectLst/>
                         <a:latin typeface="Times New Roman" panose="02020603050405020304" pitchFamily="18" charset="0"/>
                         <a:ea typeface="PMingLiU" panose="02020500000000000000" pitchFamily="18" charset="-120"/>
@@ -9103,12 +8954,12 @@
                         </a:spcAft>
                       </a:pPr>
                       <a:r>
-                        <a:rPr lang="en-US" sz="1400" kern="100">
+                        <a:rPr lang="en-US" sz="1400" kern="100" dirty="0">
                           <a:effectLst/>
                         </a:rPr>
                         <a:t>207</a:t>
                       </a:r>
-                      <a:endParaRPr lang="en-US" sz="2400" kern="100">
+                      <a:endParaRPr lang="en-US" sz="2400" kern="100" dirty="0">
                         <a:effectLst/>
                         <a:latin typeface="Times New Roman" panose="02020603050405020304" pitchFamily="18" charset="0"/>
                         <a:ea typeface="PMingLiU" panose="02020500000000000000" pitchFamily="18" charset="-120"/>
@@ -9221,18 +9072,18 @@
                         </a:spcAft>
                       </a:pPr>
                       <a:r>
-                        <a:rPr lang="en-US" sz="1400" kern="100">
+                        <a:rPr lang="en-US" sz="1400" kern="100" dirty="0">
                           <a:effectLst/>
                         </a:rPr>
                         <a:t>1.07×10</a:t>
                       </a:r>
                       <a:r>
-                        <a:rPr lang="en-US" sz="1400" kern="100" baseline="30000">
+                        <a:rPr lang="en-US" sz="1400" kern="100" baseline="30000" dirty="0">
                           <a:effectLst/>
                         </a:rPr>
                         <a:t>5</a:t>
                       </a:r>
-                      <a:endParaRPr lang="en-US" sz="2400" kern="100">
+                      <a:endParaRPr lang="en-US" sz="2400" kern="100" dirty="0">
                         <a:effectLst/>
                         <a:latin typeface="Times New Roman" panose="02020603050405020304" pitchFamily="18" charset="0"/>
                         <a:ea typeface="PMingLiU" panose="02020500000000000000" pitchFamily="18" charset="-120"/>
@@ -9302,10 +9153,174 @@
           </a:graphicData>
         </a:graphic>
       </p:graphicFrame>
+      <p:sp>
+        <p:nvSpPr>
+          <p:cNvPr id="3" name="TextBox 2"/>
+          <p:cNvSpPr txBox="1"/>
+          <p:nvPr/>
+        </p:nvSpPr>
+        <p:spPr>
+          <a:xfrm>
+            <a:off x="484710" y="5191760"/>
+            <a:ext cx="3254417" cy="369332"/>
+          </a:xfrm>
+          <a:prstGeom prst="rect">
+            <a:avLst/>
+          </a:prstGeom>
+          <a:noFill/>
+        </p:spPr>
+        <p:txBody>
+          <a:bodyPr wrap="none" rtlCol="0">
+            <a:spAutoFit/>
+          </a:bodyPr>
+          <a:lstStyle/>
+          <a:p>
+            <a:r>
+              <a:rPr lang="en-US" dirty="0" smtClean="0"/>
+              <a:t>ISCAS85 Benchmark circuits</a:t>
+            </a:r>
+            <a:endParaRPr lang="en-US" dirty="0"/>
+          </a:p>
+        </p:txBody>
+      </p:sp>
     </p:spTree>
     <p:extLst>
       <p:ext uri="{BB962C8B-B14F-4D97-AF65-F5344CB8AC3E}">
         <p14:creationId xmlns:p14="http://schemas.microsoft.com/office/powerpoint/2010/main" val="3428145053"/>
+      </p:ext>
+    </p:extLst>
+  </p:cSld>
+  <p:clrMapOvr>
+    <a:masterClrMapping/>
+  </p:clrMapOvr>
+  <p:timing>
+    <p:tnLst>
+      <p:par>
+        <p:cTn id="1" dur="indefinite" restart="never" nodeType="tmRoot"/>
+      </p:par>
+    </p:tnLst>
+  </p:timing>
+</p:sld>
+</file>
+
+<file path=ppt/slides/slide13.xml><?xml version="1.0" encoding="utf-8"?>
+<p:sld xmlns:a="http://schemas.openxmlformats.org/drawingml/2006/main" xmlns:r="http://schemas.openxmlformats.org/officeDocument/2006/relationships" xmlns:p="http://schemas.openxmlformats.org/presentationml/2006/main">
+  <p:cSld>
+    <p:spTree>
+      <p:nvGrpSpPr>
+        <p:cNvPr id="1" name=""/>
+        <p:cNvGrpSpPr/>
+        <p:nvPr/>
+      </p:nvGrpSpPr>
+      <p:grpSpPr>
+        <a:xfrm>
+          <a:off x="0" y="0"/>
+          <a:ext cx="0" cy="0"/>
+          <a:chOff x="0" y="0"/>
+          <a:chExt cx="0" cy="0"/>
+        </a:xfrm>
+      </p:grpSpPr>
+      <p:sp>
+        <p:nvSpPr>
+          <p:cNvPr id="2" name="Title 1"/>
+          <p:cNvSpPr>
+            <a:spLocks noGrp="1"/>
+          </p:cNvSpPr>
+          <p:nvPr>
+            <p:ph type="title"/>
+          </p:nvPr>
+        </p:nvSpPr>
+        <p:spPr/>
+        <p:txBody>
+          <a:bodyPr/>
+          <a:lstStyle/>
+          <a:p>
+            <a:r>
+              <a:rPr lang="en-US" dirty="0" smtClean="0"/>
+              <a:t>Conclusion</a:t>
+            </a:r>
+            <a:endParaRPr lang="en-US" dirty="0"/>
+          </a:p>
+        </p:txBody>
+      </p:sp>
+      <p:sp>
+        <p:nvSpPr>
+          <p:cNvPr id="3" name="Content Placeholder 2"/>
+          <p:cNvSpPr>
+            <a:spLocks noGrp="1"/>
+          </p:cNvSpPr>
+          <p:nvPr>
+            <p:ph idx="1"/>
+          </p:nvPr>
+        </p:nvSpPr>
+        <p:spPr/>
+        <p:txBody>
+          <a:bodyPr/>
+          <a:lstStyle/>
+          <a:p>
+            <a:r>
+              <a:rPr lang="en-US" dirty="0" smtClean="0"/>
+              <a:t>An improved version of random search for input vector control is developed based on widely-used simulated annealing algorithm</a:t>
+            </a:r>
+          </a:p>
+          <a:p>
+            <a:endParaRPr lang="en-US" dirty="0"/>
+          </a:p>
+          <a:p>
+            <a:r>
+              <a:rPr lang="en-US" dirty="0" smtClean="0"/>
+              <a:t>The effectiveness and validity of the algorithm is verified.</a:t>
+            </a:r>
+          </a:p>
+          <a:p>
+            <a:endParaRPr lang="en-US" dirty="0"/>
+          </a:p>
+          <a:p>
+            <a:r>
+              <a:rPr lang="en-US" dirty="0" smtClean="0"/>
+              <a:t>Possible further improvements</a:t>
+            </a:r>
+          </a:p>
+          <a:p>
+            <a:pPr lvl="1"/>
+            <a:r>
+              <a:rPr lang="en-US" dirty="0" smtClean="0"/>
+              <a:t>Use more efficient programming language such as C++</a:t>
+            </a:r>
+          </a:p>
+          <a:p>
+            <a:pPr lvl="1"/>
+            <a:endParaRPr lang="en-US" dirty="0"/>
+          </a:p>
+        </p:txBody>
+      </p:sp>
+      <p:sp>
+        <p:nvSpPr>
+          <p:cNvPr id="4" name="Slide Number Placeholder 3"/>
+          <p:cNvSpPr>
+            <a:spLocks noGrp="1"/>
+          </p:cNvSpPr>
+          <p:nvPr>
+            <p:ph type="sldNum" sz="quarter" idx="12"/>
+          </p:nvPr>
+        </p:nvSpPr>
+        <p:spPr/>
+        <p:txBody>
+          <a:bodyPr/>
+          <a:lstStyle/>
+          <a:p>
+            <a:fld id="{D57F1E4F-1CFF-5643-939E-02111984F565}" type="slidenum">
+              <a:rPr lang="en-US" smtClean="0"/>
+              <a:t>13</a:t>
+            </a:fld>
+            <a:endParaRPr lang="en-US" dirty="0"/>
+          </a:p>
+        </p:txBody>
+      </p:sp>
+    </p:spTree>
+    <p:extLst>
+      <p:ext uri="{BB962C8B-B14F-4D97-AF65-F5344CB8AC3E}">
+        <p14:creationId xmlns:p14="http://schemas.microsoft.com/office/powerpoint/2010/main" val="3701454745"/>
       </p:ext>
     </p:extLst>
   </p:cSld>
@@ -9356,7 +9371,7 @@
           <a:p>
             <a:r>
               <a:rPr lang="en-US" dirty="0" smtClean="0"/>
-              <a:t>Conclusion</a:t>
+              <a:t>References</a:t>
             </a:r>
             <a:endParaRPr lang="en-US" dirty="0"/>
           </a:p>
@@ -9374,42 +9389,132 @@
         </p:nvSpPr>
         <p:spPr/>
         <p:txBody>
-          <a:bodyPr/>
+          <a:bodyPr>
+            <a:normAutofit/>
+          </a:bodyPr>
           <a:lstStyle/>
           <a:p>
             <a:r>
-              <a:rPr lang="en-US" dirty="0" smtClean="0"/>
-              <a:t>An improved version of random search for input vector control is developed based on widely-used simulated annealing algorithm</a:t>
-            </a:r>
-          </a:p>
-          <a:p>
-            <a:endParaRPr lang="en-US" dirty="0"/>
-          </a:p>
-          <a:p>
-            <a:r>
-              <a:rPr lang="en-US" dirty="0" smtClean="0"/>
-              <a:t>The effectiveness and validity of the algorithm is verified.</a:t>
-            </a:r>
-          </a:p>
-          <a:p>
-            <a:endParaRPr lang="en-US" dirty="0"/>
-          </a:p>
-          <a:p>
-            <a:r>
-              <a:rPr lang="en-US" dirty="0" smtClean="0"/>
-              <a:t>Possible further improvements</a:t>
-            </a:r>
-          </a:p>
-          <a:p>
-            <a:pPr lvl="1"/>
-            <a:r>
-              <a:rPr lang="en-US" dirty="0" smtClean="0"/>
-              <a:t>Use more efficient programming language such as C++</a:t>
-            </a:r>
-          </a:p>
-          <a:p>
-            <a:pPr lvl="1"/>
-            <a:endParaRPr lang="en-US" dirty="0"/>
+              <a:rPr lang="en-US" sz="1200" dirty="0"/>
+              <a:t>Gao, Feng, and John P. Hayes. "Exact and heuristic approaches to input vector control for leakage power reduction." </a:t>
+            </a:r>
+            <a:r>
+              <a:rPr lang="en-US" sz="1200" i="1" dirty="0"/>
+              <a:t>Computer-Aided Design of Integrated Circuits and Systems, IEEE Transactions on</a:t>
+            </a:r>
+            <a:r>
+              <a:rPr lang="en-US" sz="1200" dirty="0"/>
+              <a:t> 25.11 (2006): 2564-2571</a:t>
+            </a:r>
+            <a:r>
+              <a:rPr lang="en-US" sz="1200" dirty="0" smtClean="0"/>
+              <a:t>.</a:t>
+            </a:r>
+          </a:p>
+          <a:p>
+            <a:r>
+              <a:rPr lang="en-US" sz="1200" dirty="0"/>
+              <a:t>Chang, </a:t>
+            </a:r>
+            <a:r>
+              <a:rPr lang="en-US" sz="1200" dirty="0" err="1"/>
+              <a:t>Xiaotao</a:t>
+            </a:r>
+            <a:r>
+              <a:rPr lang="en-US" sz="1200" dirty="0"/>
+              <a:t>, et al. "Fast algorithm for leakage power reduction by input vector control." </a:t>
+            </a:r>
+            <a:r>
+              <a:rPr lang="en-US" sz="1200" i="1" dirty="0"/>
+              <a:t>ASIC, 2005. ASICON 2005. 6th International Conference On</a:t>
+            </a:r>
+            <a:r>
+              <a:rPr lang="en-US" sz="1200" dirty="0"/>
+              <a:t>. Vol. 1. IEEE, 2005</a:t>
+            </a:r>
+            <a:r>
+              <a:rPr lang="en-US" sz="1200" dirty="0" smtClean="0"/>
+              <a:t>.</a:t>
+            </a:r>
+          </a:p>
+          <a:p>
+            <a:r>
+              <a:rPr lang="en-US" sz="1200" dirty="0"/>
+              <a:t>Cheng, Lei, et al. "A fast simultaneous input vector generation and gate replacement algorithm for leakage power reduction." </a:t>
+            </a:r>
+            <a:r>
+              <a:rPr lang="en-US" sz="1200" i="1" dirty="0"/>
+              <a:t>Proceedings of the 43rd annual Design Automation Conference</a:t>
+            </a:r>
+            <a:r>
+              <a:rPr lang="en-US" sz="1200" dirty="0"/>
+              <a:t>. ACM, 2006</a:t>
+            </a:r>
+            <a:r>
+              <a:rPr lang="en-US" sz="1200" dirty="0" smtClean="0"/>
+              <a:t>.</a:t>
+            </a:r>
+          </a:p>
+          <a:p>
+            <a:r>
+              <a:rPr lang="en-US" sz="1200" dirty="0" err="1"/>
+              <a:t>Aloul</a:t>
+            </a:r>
+            <a:r>
+              <a:rPr lang="en-US" sz="1200" dirty="0"/>
+              <a:t>, </a:t>
+            </a:r>
+            <a:r>
+              <a:rPr lang="en-US" sz="1200" dirty="0" err="1"/>
+              <a:t>Fadi</a:t>
+            </a:r>
+            <a:r>
+              <a:rPr lang="en-US" sz="1200" dirty="0"/>
+              <a:t> A., et al. "Robust SAT-based search algorithm for leakage power reduction." </a:t>
+            </a:r>
+            <a:r>
+              <a:rPr lang="en-US" sz="1200" i="1" dirty="0"/>
+              <a:t>Integrated Circuit Design. Power and Timing Modeling, Optimization and Simulation</a:t>
+            </a:r>
+            <a:r>
+              <a:rPr lang="en-US" sz="1200" dirty="0"/>
+              <a:t>. Springer Berlin Heidelberg, 2002. </a:t>
+            </a:r>
+            <a:r>
+              <a:rPr lang="en-US" sz="1200" dirty="0" smtClean="0"/>
+              <a:t>167-177.</a:t>
+            </a:r>
+          </a:p>
+          <a:p>
+            <a:r>
+              <a:rPr lang="en-US" sz="1200" dirty="0"/>
+              <a:t>Halter, Jonathan P., and </a:t>
+            </a:r>
+            <a:r>
+              <a:rPr lang="en-US" sz="1200" dirty="0" err="1"/>
+              <a:t>Farid</a:t>
+            </a:r>
+            <a:r>
+              <a:rPr lang="en-US" sz="1200" dirty="0"/>
+              <a:t> N. </a:t>
+            </a:r>
+            <a:r>
+              <a:rPr lang="en-US" sz="1200" dirty="0" err="1"/>
+              <a:t>Najm</a:t>
+            </a:r>
+            <a:r>
+              <a:rPr lang="en-US" sz="1200" dirty="0"/>
+              <a:t>. "A gate-level leakage power reduction method for ultra-low-power CMOS circuits." </a:t>
+            </a:r>
+            <a:r>
+              <a:rPr lang="en-US" sz="1200" i="1" dirty="0"/>
+              <a:t>Custom Integrated Circuits Conference, 1997., Proceedings of the IEEE 1997</a:t>
+            </a:r>
+            <a:r>
+              <a:rPr lang="en-US" sz="1200" dirty="0"/>
+              <a:t>. IEEE, 1997.</a:t>
+            </a:r>
+            <a:endParaRPr lang="en-US" sz="1200" dirty="0"/>
           </a:p>
         </p:txBody>
       </p:sp>
@@ -9439,20 +9544,13 @@
     </p:spTree>
     <p:extLst>
       <p:ext uri="{BB962C8B-B14F-4D97-AF65-F5344CB8AC3E}">
-        <p14:creationId xmlns:p14="http://schemas.microsoft.com/office/powerpoint/2010/main" val="3701454745"/>
+        <p14:creationId xmlns:p14="http://schemas.microsoft.com/office/powerpoint/2010/main" val="1114350917"/>
       </p:ext>
     </p:extLst>
   </p:cSld>
   <p:clrMapOvr>
     <a:masterClrMapping/>
   </p:clrMapOvr>
-  <p:timing>
-    <p:tnLst>
-      <p:par>
-        <p:cTn id="1" dur="indefinite" restart="never" nodeType="tmRoot"/>
-      </p:par>
-    </p:tnLst>
-  </p:timing>
 </p:sld>
 </file>
 
@@ -9611,8 +9709,9 @@
           <a:p>
             <a:r>
               <a:rPr lang="en-US" dirty="0" smtClean="0"/>
-              <a:t>Random algorithm</a:t>
-            </a:r>
+              <a:t>Algorithm and implementation</a:t>
+            </a:r>
+            <a:endParaRPr lang="en-US" dirty="0" smtClean="0"/>
           </a:p>
           <a:p>
             <a:endParaRPr lang="en-US" dirty="0"/>
@@ -9735,7 +9834,7 @@
         </p:nvSpPr>
         <p:spPr>
           <a:xfrm>
-            <a:off x="484710" y="1506172"/>
+            <a:off x="444147" y="1373787"/>
             <a:ext cx="7458461" cy="464032"/>
           </a:xfrm>
         </p:spPr>
@@ -9783,25 +9882,25 @@
           <p:nvPr>
             <p:extLst>
               <p:ext uri="{D42A27DB-BD31-4B8C-83A1-F6EECF244321}">
-                <p14:modId xmlns:p14="http://schemas.microsoft.com/office/powerpoint/2010/main" val="4272698556"/>
+                <p14:modId xmlns:p14="http://schemas.microsoft.com/office/powerpoint/2010/main" val="597600888"/>
               </p:ext>
             </p:extLst>
           </p:nvPr>
         </p:nvGraphicFramePr>
         <p:xfrm>
-          <a:off x="377071" y="3591307"/>
-          <a:ext cx="3530039" cy="2880610"/>
+          <a:off x="235669" y="3581562"/>
+          <a:ext cx="3667028" cy="2880610"/>
         </p:xfrm>
         <a:graphic>
           <a:graphicData uri="http://schemas.openxmlformats.org/drawingml/2006/table">
             <a:tbl>
               <a:tblPr firstRow="1" firstCol="1" bandRow="1">
-                <a:tableStyleId>{7DF18680-E054-41AD-8BC1-D1AEF772440D}</a:tableStyleId>
+                <a:tableStyleId>{306799F8-075E-4A3A-A7F6-7FBC6576F1A4}</a:tableStyleId>
               </a:tblPr>
               <a:tblGrid>
                 <a:gridCol w="1720805"/>
                 <a:gridCol w="910679"/>
-                <a:gridCol w="898555"/>
+                <a:gridCol w="1035544"/>
               </a:tblGrid>
               <a:tr h="454834">
                 <a:tc>
@@ -9818,24 +9917,24 @@
                         </a:spcAft>
                       </a:pPr>
                       <a:r>
-                        <a:rPr lang="en-US" sz="900" kern="100" dirty="0">
+                        <a:rPr lang="en-US" sz="1400" kern="100" dirty="0">
                           <a:effectLst/>
                         </a:rPr>
                         <a:t>Input vector(</a:t>
                       </a:r>
                       <a:r>
-                        <a:rPr lang="en-US" sz="900" kern="100" dirty="0" err="1">
+                        <a:rPr lang="en-US" sz="1400" kern="100" dirty="0" err="1">
                           <a:effectLst/>
                         </a:rPr>
                         <a:t>A,B,Ci</a:t>
                       </a:r>
                       <a:r>
-                        <a:rPr lang="en-US" sz="900" kern="100" dirty="0">
+                        <a:rPr lang="en-US" sz="1400" kern="100" dirty="0">
                           <a:effectLst/>
                         </a:rPr>
                         <a:t>)</a:t>
                       </a:r>
-                      <a:endParaRPr lang="en-US" sz="1200" kern="100" dirty="0">
+                      <a:endParaRPr lang="en-US" sz="2400" kern="100" dirty="0">
                         <a:effectLst/>
                         <a:latin typeface="Times New Roman" panose="02020603050405020304" pitchFamily="18" charset="0"/>
                         <a:ea typeface="PMingLiU" panose="02020500000000000000" pitchFamily="18" charset="-120"/>
@@ -9858,12 +9957,12 @@
                         </a:spcAft>
                       </a:pPr>
                       <a:r>
-                        <a:rPr lang="en-US" sz="900" kern="100">
+                        <a:rPr lang="en-US" sz="1400" kern="100">
                           <a:effectLst/>
                         </a:rPr>
                         <a:t>Output(S,Co)</a:t>
                       </a:r>
-                      <a:endParaRPr lang="en-US" sz="1200" kern="100">
+                      <a:endParaRPr lang="en-US" sz="2400" kern="100">
                         <a:effectLst/>
                         <a:latin typeface="Times New Roman" panose="02020603050405020304" pitchFamily="18" charset="0"/>
                         <a:ea typeface="PMingLiU" panose="02020500000000000000" pitchFamily="18" charset="-120"/>
@@ -9886,12 +9985,18 @@
                         </a:spcAft>
                       </a:pPr>
                       <a:r>
-                        <a:rPr lang="en-US" sz="900" kern="100">
+                        <a:rPr lang="en-US" sz="1400" kern="100" dirty="0">
                           <a:effectLst/>
                         </a:rPr>
-                        <a:t>Leakage/nA</a:t>
+                        <a:t>Leakage/</a:t>
                       </a:r>
-                      <a:endParaRPr lang="en-US" sz="1200" kern="100">
+                      <a:r>
+                        <a:rPr lang="en-US" sz="1400" kern="100" dirty="0" err="1">
+                          <a:effectLst/>
+                        </a:rPr>
+                        <a:t>nA</a:t>
+                      </a:r>
+                      <a:endParaRPr lang="en-US" sz="2400" kern="100" dirty="0">
                         <a:effectLst/>
                         <a:latin typeface="Times New Roman" panose="02020603050405020304" pitchFamily="18" charset="0"/>
                         <a:ea typeface="PMingLiU" panose="02020500000000000000" pitchFamily="18" charset="-120"/>
@@ -9916,12 +10021,12 @@
                         </a:spcAft>
                       </a:pPr>
                       <a:r>
-                        <a:rPr lang="en-US" sz="900" kern="100">
+                        <a:rPr lang="en-US" sz="1400" kern="100">
                           <a:effectLst/>
                         </a:rPr>
                         <a:t>000</a:t>
                       </a:r>
-                      <a:endParaRPr lang="en-US" sz="1200" kern="100">
+                      <a:endParaRPr lang="en-US" sz="2400" kern="100">
                         <a:effectLst/>
                         <a:latin typeface="Times New Roman" panose="02020603050405020304" pitchFamily="18" charset="0"/>
                         <a:ea typeface="PMingLiU" panose="02020500000000000000" pitchFamily="18" charset="-120"/>
@@ -9944,12 +10049,12 @@
                         </a:spcAft>
                       </a:pPr>
                       <a:r>
-                        <a:rPr lang="en-US" sz="900" kern="100">
+                        <a:rPr lang="en-US" sz="1400" kern="100">
                           <a:effectLst/>
                         </a:rPr>
                         <a:t>00</a:t>
                       </a:r>
-                      <a:endParaRPr lang="en-US" sz="1200" kern="100">
+                      <a:endParaRPr lang="en-US" sz="2400" kern="100">
                         <a:effectLst/>
                         <a:latin typeface="Times New Roman" panose="02020603050405020304" pitchFamily="18" charset="0"/>
                         <a:ea typeface="PMingLiU" panose="02020500000000000000" pitchFamily="18" charset="-120"/>
@@ -9972,12 +10077,12 @@
                         </a:spcAft>
                       </a:pPr>
                       <a:r>
-                        <a:rPr lang="en-US" sz="900" kern="100">
+                        <a:rPr lang="en-US" sz="1400" kern="100">
                           <a:effectLst/>
                         </a:rPr>
                         <a:t>76.97</a:t>
                       </a:r>
-                      <a:endParaRPr lang="en-US" sz="1200" kern="100">
+                      <a:endParaRPr lang="en-US" sz="2400" kern="100">
                         <a:effectLst/>
                         <a:latin typeface="Times New Roman" panose="02020603050405020304" pitchFamily="18" charset="0"/>
                         <a:ea typeface="PMingLiU" panose="02020500000000000000" pitchFamily="18" charset="-120"/>
@@ -10002,12 +10107,12 @@
                         </a:spcAft>
                       </a:pPr>
                       <a:r>
-                        <a:rPr lang="en-US" sz="900" kern="100" dirty="0">
+                        <a:rPr lang="en-US" sz="1400" kern="100" dirty="0">
                           <a:effectLst/>
                         </a:rPr>
                         <a:t>001</a:t>
                       </a:r>
-                      <a:endParaRPr lang="en-US" sz="1200" kern="100" dirty="0">
+                      <a:endParaRPr lang="en-US" sz="2400" kern="100" dirty="0">
                         <a:effectLst/>
                         <a:latin typeface="Times New Roman" panose="02020603050405020304" pitchFamily="18" charset="0"/>
                         <a:ea typeface="PMingLiU" panose="02020500000000000000" pitchFamily="18" charset="-120"/>
@@ -10030,12 +10135,12 @@
                         </a:spcAft>
                       </a:pPr>
                       <a:r>
-                        <a:rPr lang="en-US" sz="900" kern="100">
+                        <a:rPr lang="en-US" sz="1400" kern="100">
                           <a:effectLst/>
                         </a:rPr>
                         <a:t>01</a:t>
                       </a:r>
-                      <a:endParaRPr lang="en-US" sz="1200" kern="100">
+                      <a:endParaRPr lang="en-US" sz="2400" kern="100">
                         <a:effectLst/>
                         <a:latin typeface="Times New Roman" panose="02020603050405020304" pitchFamily="18" charset="0"/>
                         <a:ea typeface="PMingLiU" panose="02020500000000000000" pitchFamily="18" charset="-120"/>
@@ -10058,12 +10163,12 @@
                         </a:spcAft>
                       </a:pPr>
                       <a:r>
-                        <a:rPr lang="en-US" sz="900" kern="100">
+                        <a:rPr lang="en-US" sz="1400" kern="100">
                           <a:effectLst/>
                         </a:rPr>
                         <a:t>104.60</a:t>
                       </a:r>
-                      <a:endParaRPr lang="en-US" sz="1200" kern="100">
+                      <a:endParaRPr lang="en-US" sz="2400" kern="100">
                         <a:effectLst/>
                         <a:latin typeface="Times New Roman" panose="02020603050405020304" pitchFamily="18" charset="0"/>
                         <a:ea typeface="PMingLiU" panose="02020500000000000000" pitchFamily="18" charset="-120"/>
@@ -10088,12 +10193,12 @@
                         </a:spcAft>
                       </a:pPr>
                       <a:r>
-                        <a:rPr lang="en-US" sz="900" kern="100" dirty="0">
+                        <a:rPr lang="en-US" sz="1400" kern="100" dirty="0">
                           <a:effectLst/>
                         </a:rPr>
                         <a:t>010</a:t>
                       </a:r>
-                      <a:endParaRPr lang="en-US" sz="1200" kern="100" dirty="0">
+                      <a:endParaRPr lang="en-US" sz="2400" kern="100" dirty="0">
                         <a:effectLst/>
                         <a:latin typeface="Times New Roman" panose="02020603050405020304" pitchFamily="18" charset="0"/>
                         <a:ea typeface="PMingLiU" panose="02020500000000000000" pitchFamily="18" charset="-120"/>
@@ -10116,12 +10221,12 @@
                         </a:spcAft>
                       </a:pPr>
                       <a:r>
-                        <a:rPr lang="en-US" sz="900" kern="100">
+                        <a:rPr lang="en-US" sz="1400" kern="100">
                           <a:effectLst/>
                         </a:rPr>
                         <a:t>01</a:t>
                       </a:r>
-                      <a:endParaRPr lang="en-US" sz="1200" kern="100">
+                      <a:endParaRPr lang="en-US" sz="2400" kern="100">
                         <a:effectLst/>
                         <a:latin typeface="Times New Roman" panose="02020603050405020304" pitchFamily="18" charset="0"/>
                         <a:ea typeface="PMingLiU" panose="02020500000000000000" pitchFamily="18" charset="-120"/>
@@ -10144,12 +10249,12 @@
                         </a:spcAft>
                       </a:pPr>
                       <a:r>
-                        <a:rPr lang="en-US" sz="900" kern="100">
+                        <a:rPr lang="en-US" sz="1400" kern="100">
                           <a:effectLst/>
                         </a:rPr>
                         <a:t>126.48</a:t>
                       </a:r>
-                      <a:endParaRPr lang="en-US" sz="1200" kern="100">
+                      <a:endParaRPr lang="en-US" sz="2400" kern="100">
                         <a:effectLst/>
                         <a:latin typeface="Times New Roman" panose="02020603050405020304" pitchFamily="18" charset="0"/>
                         <a:ea typeface="PMingLiU" panose="02020500000000000000" pitchFamily="18" charset="-120"/>
@@ -10174,12 +10279,12 @@
                         </a:spcAft>
                       </a:pPr>
                       <a:r>
-                        <a:rPr lang="en-US" sz="900" kern="100">
+                        <a:rPr lang="en-US" sz="1400" kern="100">
                           <a:effectLst/>
                         </a:rPr>
                         <a:t>011</a:t>
                       </a:r>
-                      <a:endParaRPr lang="en-US" sz="1200" kern="100">
+                      <a:endParaRPr lang="en-US" sz="2400" kern="100">
                         <a:effectLst/>
                         <a:latin typeface="Times New Roman" panose="02020603050405020304" pitchFamily="18" charset="0"/>
                         <a:ea typeface="PMingLiU" panose="02020500000000000000" pitchFamily="18" charset="-120"/>
@@ -10202,12 +10307,12 @@
                         </a:spcAft>
                       </a:pPr>
                       <a:r>
-                        <a:rPr lang="en-US" sz="900" kern="100">
+                        <a:rPr lang="en-US" sz="1400" kern="100">
                           <a:effectLst/>
                         </a:rPr>
                         <a:t>10</a:t>
                       </a:r>
-                      <a:endParaRPr lang="en-US" sz="1200" kern="100">
+                      <a:endParaRPr lang="en-US" sz="2400" kern="100">
                         <a:effectLst/>
                         <a:latin typeface="Times New Roman" panose="02020603050405020304" pitchFamily="18" charset="0"/>
                         <a:ea typeface="PMingLiU" panose="02020500000000000000" pitchFamily="18" charset="-120"/>
@@ -10230,12 +10335,12 @@
                         </a:spcAft>
                       </a:pPr>
                       <a:r>
-                        <a:rPr lang="en-US" sz="900" kern="100">
+                        <a:rPr lang="en-US" sz="1400" kern="100">
                           <a:effectLst/>
                         </a:rPr>
                         <a:t>124.12</a:t>
                       </a:r>
-                      <a:endParaRPr lang="en-US" sz="1200" kern="100">
+                      <a:endParaRPr lang="en-US" sz="2400" kern="100">
                         <a:effectLst/>
                         <a:latin typeface="Times New Roman" panose="02020603050405020304" pitchFamily="18" charset="0"/>
                         <a:ea typeface="PMingLiU" panose="02020500000000000000" pitchFamily="18" charset="-120"/>
@@ -10260,12 +10365,12 @@
                         </a:spcAft>
                       </a:pPr>
                       <a:r>
-                        <a:rPr lang="en-US" sz="900" kern="100">
+                        <a:rPr lang="en-US" sz="1400" kern="100">
                           <a:effectLst/>
                         </a:rPr>
                         <a:t>100</a:t>
                       </a:r>
-                      <a:endParaRPr lang="en-US" sz="1200" kern="100">
+                      <a:endParaRPr lang="en-US" sz="2400" kern="100">
                         <a:effectLst/>
                         <a:latin typeface="Times New Roman" panose="02020603050405020304" pitchFamily="18" charset="0"/>
                         <a:ea typeface="PMingLiU" panose="02020500000000000000" pitchFamily="18" charset="-120"/>
@@ -10288,12 +10393,12 @@
                         </a:spcAft>
                       </a:pPr>
                       <a:r>
-                        <a:rPr lang="en-US" sz="900" kern="100">
+                        <a:rPr lang="en-US" sz="1400" kern="100">
                           <a:effectLst/>
                         </a:rPr>
                         <a:t>01</a:t>
                       </a:r>
-                      <a:endParaRPr lang="en-US" sz="1200" kern="100">
+                      <a:endParaRPr lang="en-US" sz="2400" kern="100">
                         <a:effectLst/>
                         <a:latin typeface="Times New Roman" panose="02020603050405020304" pitchFamily="18" charset="0"/>
                         <a:ea typeface="PMingLiU" panose="02020500000000000000" pitchFamily="18" charset="-120"/>
@@ -10316,12 +10421,12 @@
                         </a:spcAft>
                       </a:pPr>
                       <a:r>
-                        <a:rPr lang="en-US" sz="900" kern="100">
+                        <a:rPr lang="en-US" sz="1400" kern="100">
                           <a:effectLst/>
                         </a:rPr>
                         <a:t>146.35</a:t>
                       </a:r>
-                      <a:endParaRPr lang="en-US" sz="1200" kern="100">
+                      <a:endParaRPr lang="en-US" sz="2400" kern="100">
                         <a:effectLst/>
                         <a:latin typeface="Times New Roman" panose="02020603050405020304" pitchFamily="18" charset="0"/>
                         <a:ea typeface="PMingLiU" panose="02020500000000000000" pitchFamily="18" charset="-120"/>
@@ -10346,12 +10451,12 @@
                         </a:spcAft>
                       </a:pPr>
                       <a:r>
-                        <a:rPr lang="en-US" sz="900" kern="100">
+                        <a:rPr lang="en-US" sz="1400" kern="100">
                           <a:effectLst/>
                         </a:rPr>
                         <a:t>101</a:t>
                       </a:r>
-                      <a:endParaRPr lang="en-US" sz="1200" kern="100">
+                      <a:endParaRPr lang="en-US" sz="2400" kern="100">
                         <a:effectLst/>
                         <a:latin typeface="Times New Roman" panose="02020603050405020304" pitchFamily="18" charset="0"/>
                         <a:ea typeface="PMingLiU" panose="02020500000000000000" pitchFamily="18" charset="-120"/>
@@ -10374,12 +10479,12 @@
                         </a:spcAft>
                       </a:pPr>
                       <a:r>
-                        <a:rPr lang="en-US" sz="900" kern="100">
+                        <a:rPr lang="en-US" sz="1400" kern="100">
                           <a:effectLst/>
                         </a:rPr>
                         <a:t>10</a:t>
                       </a:r>
-                      <a:endParaRPr lang="en-US" sz="1200" kern="100">
+                      <a:endParaRPr lang="en-US" sz="2400" kern="100">
                         <a:effectLst/>
                         <a:latin typeface="Times New Roman" panose="02020603050405020304" pitchFamily="18" charset="0"/>
                         <a:ea typeface="PMingLiU" panose="02020500000000000000" pitchFamily="18" charset="-120"/>
@@ -10402,12 +10507,12 @@
                         </a:spcAft>
                       </a:pPr>
                       <a:r>
-                        <a:rPr lang="en-US" sz="900" kern="100">
+                        <a:rPr lang="en-US" sz="1400" kern="100">
                           <a:effectLst/>
                         </a:rPr>
                         <a:t>126.51</a:t>
                       </a:r>
-                      <a:endParaRPr lang="en-US" sz="1200" kern="100">
+                      <a:endParaRPr lang="en-US" sz="2400" kern="100">
                         <a:effectLst/>
                         <a:latin typeface="Times New Roman" panose="02020603050405020304" pitchFamily="18" charset="0"/>
                         <a:ea typeface="PMingLiU" panose="02020500000000000000" pitchFamily="18" charset="-120"/>
@@ -10432,12 +10537,12 @@
                         </a:spcAft>
                       </a:pPr>
                       <a:r>
-                        <a:rPr lang="en-US" sz="900" kern="100">
+                        <a:rPr lang="en-US" sz="1400" kern="100">
                           <a:effectLst/>
                         </a:rPr>
                         <a:t>110</a:t>
                       </a:r>
-                      <a:endParaRPr lang="en-US" sz="1200" kern="100">
+                      <a:endParaRPr lang="en-US" sz="2400" kern="100">
                         <a:effectLst/>
                         <a:latin typeface="Times New Roman" panose="02020603050405020304" pitchFamily="18" charset="0"/>
                         <a:ea typeface="PMingLiU" panose="02020500000000000000" pitchFamily="18" charset="-120"/>
@@ -10460,12 +10565,12 @@
                         </a:spcAft>
                       </a:pPr>
                       <a:r>
-                        <a:rPr lang="en-US" sz="900" kern="100">
+                        <a:rPr lang="en-US" sz="1400" kern="100">
                           <a:effectLst/>
                         </a:rPr>
                         <a:t>10</a:t>
                       </a:r>
-                      <a:endParaRPr lang="en-US" sz="1200" kern="100">
+                      <a:endParaRPr lang="en-US" sz="2400" kern="100">
                         <a:effectLst/>
                         <a:latin typeface="Times New Roman" panose="02020603050405020304" pitchFamily="18" charset="0"/>
                         <a:ea typeface="PMingLiU" panose="02020500000000000000" pitchFamily="18" charset="-120"/>
@@ -10488,12 +10593,12 @@
                         </a:spcAft>
                       </a:pPr>
                       <a:r>
-                        <a:rPr lang="en-US" sz="900" kern="100">
+                        <a:rPr lang="en-US" sz="1400" kern="100">
                           <a:effectLst/>
                         </a:rPr>
                         <a:t>146.13</a:t>
                       </a:r>
-                      <a:endParaRPr lang="en-US" sz="1200" kern="100">
+                      <a:endParaRPr lang="en-US" sz="2400" kern="100">
                         <a:effectLst/>
                         <a:latin typeface="Times New Roman" panose="02020603050405020304" pitchFamily="18" charset="0"/>
                         <a:ea typeface="PMingLiU" panose="02020500000000000000" pitchFamily="18" charset="-120"/>
@@ -10518,12 +10623,12 @@
                         </a:spcAft>
                       </a:pPr>
                       <a:r>
-                        <a:rPr lang="en-US" sz="900" kern="100">
+                        <a:rPr lang="en-US" sz="1400" kern="100">
                           <a:effectLst/>
                         </a:rPr>
                         <a:t>111</a:t>
                       </a:r>
-                      <a:endParaRPr lang="en-US" sz="1200" kern="100">
+                      <a:endParaRPr lang="en-US" sz="2400" kern="100">
                         <a:effectLst/>
                         <a:latin typeface="Times New Roman" panose="02020603050405020304" pitchFamily="18" charset="0"/>
                         <a:ea typeface="PMingLiU" panose="02020500000000000000" pitchFamily="18" charset="-120"/>
@@ -10546,12 +10651,12 @@
                         </a:spcAft>
                       </a:pPr>
                       <a:r>
-                        <a:rPr lang="en-US" sz="900" kern="100" dirty="0">
+                        <a:rPr lang="en-US" sz="1400" kern="100" dirty="0">
                           <a:effectLst/>
                         </a:rPr>
                         <a:t>11</a:t>
                       </a:r>
-                      <a:endParaRPr lang="en-US" sz="1200" kern="100" dirty="0">
+                      <a:endParaRPr lang="en-US" sz="2400" kern="100" dirty="0">
                         <a:effectLst/>
                         <a:latin typeface="Times New Roman" panose="02020603050405020304" pitchFamily="18" charset="0"/>
                         <a:ea typeface="PMingLiU" panose="02020500000000000000" pitchFamily="18" charset="-120"/>
@@ -10574,12 +10679,12 @@
                         </a:spcAft>
                       </a:pPr>
                       <a:r>
-                        <a:rPr lang="en-US" sz="900" kern="100" dirty="0">
+                        <a:rPr lang="en-US" sz="1400" kern="100" dirty="0">
                           <a:effectLst/>
                         </a:rPr>
                         <a:t>105.73</a:t>
                       </a:r>
-                      <a:endParaRPr lang="en-US" sz="1200" kern="100" dirty="0">
+                      <a:endParaRPr lang="en-US" sz="2400" kern="100" dirty="0">
                         <a:effectLst/>
                         <a:latin typeface="Times New Roman" panose="02020603050405020304" pitchFamily="18" charset="0"/>
                         <a:ea typeface="PMingLiU" panose="02020500000000000000" pitchFamily="18" charset="-120"/>
@@ -10877,7 +10982,6 @@
               <a:rPr lang="en-US" dirty="0"/>
               <a:t>B</a:t>
             </a:r>
-            <a:endParaRPr lang="en-US" dirty="0"/>
           </a:p>
         </p:txBody>
       </p:sp>
@@ -12339,8 +12443,8 @@
         </p:nvSpPr>
         <p:spPr>
           <a:xfrm>
-            <a:off x="-42253" y="6462172"/>
-            <a:ext cx="4289957" cy="338554"/>
+            <a:off x="84993" y="6542300"/>
+            <a:ext cx="4113627" cy="307777"/>
           </a:xfrm>
           <a:prstGeom prst="rect">
             <a:avLst/>
@@ -12354,10 +12458,14 @@
           <a:lstStyle/>
           <a:p>
             <a:r>
-              <a:rPr lang="en-US" sz="1600" dirty="0" smtClean="0"/>
-              <a:t>Result from Cadence GSCLIB090 ADDFXL </a:t>
-            </a:r>
-            <a:endParaRPr lang="en-US" sz="1600" dirty="0"/>
+              <a:rPr lang="en-US" sz="1400" dirty="0" smtClean="0"/>
+              <a:t>Extracted </a:t>
+            </a:r>
+            <a:r>
+              <a:rPr lang="en-US" sz="1400" dirty="0" smtClean="0"/>
+              <a:t>from Cadence GSCLIB090 ADDFXL </a:t>
+            </a:r>
+            <a:endParaRPr lang="en-US" sz="1400" dirty="0"/>
           </a:p>
         </p:txBody>
       </p:sp>
@@ -12408,351 +12516,137 @@
             <p:ph type="title"/>
           </p:nvPr>
         </p:nvSpPr>
-        <p:spPr/>
+        <p:spPr>
+          <a:xfrm>
+            <a:off x="484710" y="452718"/>
+            <a:ext cx="7055380" cy="685202"/>
+          </a:xfrm>
+        </p:spPr>
         <p:txBody>
           <a:bodyPr/>
           <a:lstStyle/>
           <a:p>
             <a:r>
+              <a:rPr lang="en-US" sz="3600" dirty="0" smtClean="0"/>
+              <a:t>Finding the best input vector</a:t>
+            </a:r>
+            <a:endParaRPr lang="en-US" sz="3600" dirty="0"/>
+          </a:p>
+        </p:txBody>
+      </p:sp>
+      <p:sp>
+        <p:nvSpPr>
+          <p:cNvPr id="3" name="Content Placeholder 2"/>
+          <p:cNvSpPr>
+            <a:spLocks noGrp="1"/>
+          </p:cNvSpPr>
+          <p:nvPr>
+            <p:ph idx="1"/>
+          </p:nvPr>
+        </p:nvSpPr>
+        <p:spPr>
+          <a:xfrm>
+            <a:off x="828436" y="1392525"/>
+            <a:ext cx="6711654" cy="4977795"/>
+          </a:xfrm>
+        </p:spPr>
+        <p:txBody>
+          <a:bodyPr>
+            <a:normAutofit lnSpcReduction="10000"/>
+          </a:bodyPr>
+          <a:lstStyle/>
+          <a:p>
+            <a:r>
+              <a:rPr lang="en-US" altLang="zh-CN" dirty="0" smtClean="0"/>
+              <a:t>NP-Complete problem</a:t>
+            </a:r>
+          </a:p>
+          <a:p>
+            <a:pPr lvl="1"/>
+            <a:r>
               <a:rPr lang="en-US" dirty="0" smtClean="0"/>
-              <a:t>Pseudo-Boolean function</a:t>
-            </a:r>
+              <a:t>Heuristic algorithm</a:t>
+            </a:r>
+          </a:p>
+          <a:p>
+            <a:pPr lvl="1"/>
+            <a:r>
+              <a:rPr lang="en-US" dirty="0" smtClean="0"/>
+              <a:t>Random search</a:t>
+            </a:r>
+          </a:p>
+          <a:p>
             <a:endParaRPr lang="en-US" dirty="0"/>
           </a:p>
-        </p:txBody>
-      </p:sp>
-      <mc:AlternateContent xmlns:mc="http://schemas.openxmlformats.org/markup-compatibility/2006">
-        <mc:Choice xmlns:a14="http://schemas.microsoft.com/office/drawing/2010/main" Requires="a14">
-          <p:sp>
-            <p:nvSpPr>
-              <p:cNvPr id="3" name="Content Placeholder 2"/>
-              <p:cNvSpPr>
-                <a:spLocks noGrp="1"/>
-              </p:cNvSpPr>
-              <p:nvPr>
-                <p:ph idx="1"/>
-              </p:nvPr>
-            </p:nvSpPr>
-            <p:spPr/>
-            <p:txBody>
-              <a:bodyPr/>
-              <a:lstStyle/>
-              <a:p>
-                <a14:m>
-                  <m:oMath xmlns:m="http://schemas.openxmlformats.org/officeDocument/2006/math">
-                    <m:r>
-                      <a:rPr lang="en-US" b="0" i="1" smtClean="0">
-                        <a:latin typeface="Cambria Math" panose="02040503050406030204" pitchFamily="18" charset="0"/>
-                      </a:rPr>
-                      <m:t>𝐹</m:t>
-                    </m:r>
-                    <m:d>
-                      <m:dPr>
-                        <m:ctrlPr>
-                          <a:rPr lang="en-US" b="0" i="1" smtClean="0">
-                            <a:latin typeface="Cambria Math" panose="02040503050406030204" pitchFamily="18" charset="0"/>
-                          </a:rPr>
-                        </m:ctrlPr>
-                      </m:dPr>
-                      <m:e>
-                        <m:r>
-                          <a:rPr lang="en-US" b="0" i="1" smtClean="0">
-                            <a:latin typeface="Cambria Math" panose="02040503050406030204" pitchFamily="18" charset="0"/>
-                          </a:rPr>
-                          <m:t>𝐴</m:t>
-                        </m:r>
-                        <m:r>
-                          <a:rPr lang="en-US" b="0" i="1" smtClean="0">
-                            <a:latin typeface="Cambria Math" panose="02040503050406030204" pitchFamily="18" charset="0"/>
-                          </a:rPr>
-                          <m:t>,</m:t>
-                        </m:r>
-                        <m:r>
-                          <a:rPr lang="en-US" b="0" i="1" smtClean="0">
-                            <a:latin typeface="Cambria Math" panose="02040503050406030204" pitchFamily="18" charset="0"/>
-                          </a:rPr>
-                          <m:t>𝐵</m:t>
-                        </m:r>
-                      </m:e>
-                    </m:d>
-                    <m:r>
-                      <a:rPr lang="en-US" b="0" i="1" smtClean="0">
-                        <a:latin typeface="Cambria Math" panose="02040503050406030204" pitchFamily="18" charset="0"/>
-                      </a:rPr>
-                      <m:t>=</m:t>
-                    </m:r>
-                    <m:sSub>
-                      <m:sSubPr>
-                        <m:ctrlPr>
-                          <a:rPr lang="en-US" b="0" i="1" smtClean="0">
-                            <a:latin typeface="Cambria Math" panose="02040503050406030204" pitchFamily="18" charset="0"/>
-                          </a:rPr>
-                        </m:ctrlPr>
-                      </m:sSubPr>
-                      <m:e>
-                        <m:r>
-                          <a:rPr lang="en-US" b="0" i="1" smtClean="0">
-                            <a:latin typeface="Cambria Math" panose="02040503050406030204" pitchFamily="18" charset="0"/>
-                          </a:rPr>
-                          <m:t>𝐹</m:t>
-                        </m:r>
-                      </m:e>
-                      <m:sub>
-                        <m:r>
-                          <a:rPr lang="en-US" b="0" i="1" smtClean="0">
-                            <a:latin typeface="Cambria Math" panose="02040503050406030204" pitchFamily="18" charset="0"/>
-                          </a:rPr>
-                          <m:t>00</m:t>
-                        </m:r>
-                      </m:sub>
-                    </m:sSub>
-                    <m:r>
-                      <a:rPr lang="en-US" b="0" i="1" smtClean="0">
-                        <a:latin typeface="Cambria Math" panose="02040503050406030204" pitchFamily="18" charset="0"/>
-                      </a:rPr>
-                      <m:t> </m:t>
-                    </m:r>
-                    <m:acc>
-                      <m:accPr>
-                        <m:chr m:val="̅"/>
-                        <m:ctrlPr>
-                          <a:rPr lang="en-US" b="0" i="1" smtClean="0">
-                            <a:latin typeface="Cambria Math" panose="02040503050406030204" pitchFamily="18" charset="0"/>
-                          </a:rPr>
-                        </m:ctrlPr>
-                      </m:accPr>
-                      <m:e>
-                        <m:r>
-                          <a:rPr lang="en-US" b="0" i="1" smtClean="0">
-                            <a:latin typeface="Cambria Math" panose="02040503050406030204" pitchFamily="18" charset="0"/>
-                          </a:rPr>
-                          <m:t>𝐴𝐵</m:t>
-                        </m:r>
-                      </m:e>
-                    </m:acc>
-                    <m:r>
-                      <a:rPr lang="en-US" b="0" i="1" smtClean="0">
-                        <a:latin typeface="Cambria Math" panose="02040503050406030204" pitchFamily="18" charset="0"/>
-                      </a:rPr>
-                      <m:t>+</m:t>
-                    </m:r>
-                    <m:sSub>
-                      <m:sSubPr>
-                        <m:ctrlPr>
-                          <a:rPr lang="en-US" b="0" i="1" smtClean="0">
-                            <a:latin typeface="Cambria Math" panose="02040503050406030204" pitchFamily="18" charset="0"/>
-                          </a:rPr>
-                        </m:ctrlPr>
-                      </m:sSubPr>
-                      <m:e>
-                        <m:r>
-                          <a:rPr lang="en-US" b="0" i="1" smtClean="0">
-                            <a:latin typeface="Cambria Math" panose="02040503050406030204" pitchFamily="18" charset="0"/>
-                          </a:rPr>
-                          <m:t>𝐹</m:t>
-                        </m:r>
-                      </m:e>
-                      <m:sub>
-                        <m:r>
-                          <a:rPr lang="en-US" b="0" i="1" smtClean="0">
-                            <a:latin typeface="Cambria Math" panose="02040503050406030204" pitchFamily="18" charset="0"/>
-                          </a:rPr>
-                          <m:t>01</m:t>
-                        </m:r>
-                      </m:sub>
-                    </m:sSub>
-                    <m:acc>
-                      <m:accPr>
-                        <m:chr m:val="̅"/>
-                        <m:ctrlPr>
-                          <a:rPr lang="en-US" b="0" i="1" smtClean="0">
-                            <a:latin typeface="Cambria Math" panose="02040503050406030204" pitchFamily="18" charset="0"/>
-                          </a:rPr>
-                        </m:ctrlPr>
-                      </m:accPr>
-                      <m:e>
-                        <m:r>
-                          <a:rPr lang="en-US" b="0" i="1" smtClean="0">
-                            <a:latin typeface="Cambria Math" panose="02040503050406030204" pitchFamily="18" charset="0"/>
-                          </a:rPr>
-                          <m:t>𝐴</m:t>
-                        </m:r>
-                      </m:e>
-                    </m:acc>
-                    <m:r>
-                      <a:rPr lang="en-US" b="0" i="1" smtClean="0">
-                        <a:latin typeface="Cambria Math" panose="02040503050406030204" pitchFamily="18" charset="0"/>
-                      </a:rPr>
-                      <m:t>𝐵</m:t>
-                    </m:r>
-                    <m:r>
-                      <a:rPr lang="en-US" b="0" i="1" smtClean="0">
-                        <a:latin typeface="Cambria Math" panose="02040503050406030204" pitchFamily="18" charset="0"/>
-                      </a:rPr>
-                      <m:t>+</m:t>
-                    </m:r>
-                    <m:sSub>
-                      <m:sSubPr>
-                        <m:ctrlPr>
-                          <a:rPr lang="en-US" b="0" i="1" smtClean="0">
-                            <a:latin typeface="Cambria Math" panose="02040503050406030204" pitchFamily="18" charset="0"/>
-                          </a:rPr>
-                        </m:ctrlPr>
-                      </m:sSubPr>
-                      <m:e>
-                        <m:r>
-                          <a:rPr lang="en-US" b="0" i="1" smtClean="0">
-                            <a:latin typeface="Cambria Math" panose="02040503050406030204" pitchFamily="18" charset="0"/>
-                          </a:rPr>
-                          <m:t>𝐹</m:t>
-                        </m:r>
-                      </m:e>
-                      <m:sub>
-                        <m:r>
-                          <a:rPr lang="en-US" b="0" i="1" smtClean="0">
-                            <a:latin typeface="Cambria Math" panose="02040503050406030204" pitchFamily="18" charset="0"/>
-                          </a:rPr>
-                          <m:t>10</m:t>
-                        </m:r>
-                      </m:sub>
-                    </m:sSub>
-                    <m:r>
-                      <a:rPr lang="en-US" b="0" i="1" smtClean="0">
-                        <a:latin typeface="Cambria Math" panose="02040503050406030204" pitchFamily="18" charset="0"/>
-                      </a:rPr>
-                      <m:t>𝐴</m:t>
-                    </m:r>
-                    <m:acc>
-                      <m:accPr>
-                        <m:chr m:val="̅"/>
-                        <m:ctrlPr>
-                          <a:rPr lang="en-US" b="0" i="1" smtClean="0">
-                            <a:latin typeface="Cambria Math" panose="02040503050406030204" pitchFamily="18" charset="0"/>
-                          </a:rPr>
-                        </m:ctrlPr>
-                      </m:accPr>
-                      <m:e>
-                        <m:r>
-                          <a:rPr lang="en-US" b="0" i="1" smtClean="0">
-                            <a:latin typeface="Cambria Math" panose="02040503050406030204" pitchFamily="18" charset="0"/>
-                          </a:rPr>
-                          <m:t>𝐵</m:t>
-                        </m:r>
-                      </m:e>
-                    </m:acc>
-                    <m:r>
-                      <a:rPr lang="en-US" b="0" i="1" smtClean="0">
-                        <a:latin typeface="Cambria Math" panose="02040503050406030204" pitchFamily="18" charset="0"/>
-                      </a:rPr>
-                      <m:t>+</m:t>
-                    </m:r>
-                    <m:sSub>
-                      <m:sSubPr>
-                        <m:ctrlPr>
-                          <a:rPr lang="en-US" b="0" i="1" smtClean="0">
-                            <a:latin typeface="Cambria Math" panose="02040503050406030204" pitchFamily="18" charset="0"/>
-                          </a:rPr>
-                        </m:ctrlPr>
-                      </m:sSubPr>
-                      <m:e>
-                        <m:r>
-                          <a:rPr lang="en-US" b="0" i="1" smtClean="0">
-                            <a:latin typeface="Cambria Math" panose="02040503050406030204" pitchFamily="18" charset="0"/>
-                          </a:rPr>
-                          <m:t>𝐹</m:t>
-                        </m:r>
-                      </m:e>
-                      <m:sub>
-                        <m:r>
-                          <a:rPr lang="en-US" b="0" i="1" smtClean="0">
-                            <a:latin typeface="Cambria Math" panose="02040503050406030204" pitchFamily="18" charset="0"/>
-                          </a:rPr>
-                          <m:t>11</m:t>
-                        </m:r>
-                      </m:sub>
-                    </m:sSub>
-                    <m:r>
-                      <a:rPr lang="en-US" b="0" i="1" smtClean="0">
-                        <a:latin typeface="Cambria Math" panose="02040503050406030204" pitchFamily="18" charset="0"/>
-                      </a:rPr>
-                      <m:t>𝐴𝐵</m:t>
-                    </m:r>
-                  </m:oMath>
-                </a14:m>
-                <a:endParaRPr lang="en-US" dirty="0" smtClean="0"/>
-              </a:p>
-              <a:p>
-                <a:endParaRPr lang="en-US" dirty="0"/>
-              </a:p>
-              <a:p>
-                <a:r>
-                  <a:rPr lang="en-US" dirty="0" smtClean="0"/>
-                  <a:t>n inputs = 2</a:t>
-                </a:r>
-                <a:r>
-                  <a:rPr lang="en-US" baseline="30000" dirty="0" smtClean="0"/>
-                  <a:t>n</a:t>
-                </a:r>
-                <a:r>
-                  <a:rPr lang="en-US" dirty="0" smtClean="0"/>
-                  <a:t> terms to be summed</a:t>
-                </a:r>
-              </a:p>
-              <a:p>
-                <a:endParaRPr lang="en-US" dirty="0"/>
-              </a:p>
-              <a:p>
-                <a:r>
-                  <a:rPr lang="en-US" dirty="0" smtClean="0"/>
-                  <a:t>Impossible to </a:t>
-                </a:r>
-                <a:r>
-                  <a:rPr lang="en-US" dirty="0" err="1" smtClean="0"/>
-                  <a:t>bruteforce</a:t>
-                </a:r>
-                <a:r>
-                  <a:rPr lang="en-US" dirty="0" smtClean="0"/>
-                  <a:t> for large circuit</a:t>
-                </a:r>
-                <a:endParaRPr lang="en-US" dirty="0"/>
-              </a:p>
-            </p:txBody>
-          </p:sp>
-        </mc:Choice>
-        <mc:Fallback>
-          <p:sp>
-            <p:nvSpPr>
-              <p:cNvPr id="3" name="Content Placeholder 2"/>
-              <p:cNvSpPr>
-                <a:spLocks noGrp="1" noRot="1" noChangeAspect="1" noMove="1" noResize="1" noEditPoints="1" noAdjustHandles="1" noChangeArrowheads="1" noChangeShapeType="1" noTextEdit="1"/>
-              </p:cNvSpPr>
-              <p:nvPr>
-                <p:ph idx="1"/>
-              </p:nvPr>
-            </p:nvSpPr>
-            <p:spPr>
-              <a:blipFill rotWithShape="0">
-                <a:blip r:embed="rId2"/>
-                <a:stretch>
-                  <a:fillRect l="-454"/>
-                </a:stretch>
-              </a:blipFill>
-            </p:spPr>
-            <p:txBody>
-              <a:bodyPr/>
-              <a:lstStyle/>
-              <a:p>
-                <a:r>
-                  <a:rPr lang="en-US">
-                    <a:noFill/>
-                  </a:rPr>
-                  <a:t> </a:t>
-                </a:r>
-              </a:p>
-            </p:txBody>
-          </p:sp>
-        </mc:Fallback>
-      </mc:AlternateContent>
+          <a:p>
+            <a:r>
+              <a:rPr lang="en-US" dirty="0" smtClean="0"/>
+              <a:t>Existing Algorithms</a:t>
+            </a:r>
+          </a:p>
+          <a:p>
+            <a:pPr lvl="1"/>
+            <a:r>
+              <a:rPr lang="en-US" dirty="0" smtClean="0"/>
+              <a:t>Linear programming</a:t>
+            </a:r>
+          </a:p>
+          <a:p>
+            <a:pPr lvl="1"/>
+            <a:r>
+              <a:rPr lang="en-US" dirty="0" smtClean="0"/>
+              <a:t>Dynamic programming</a:t>
+            </a:r>
+          </a:p>
+          <a:p>
+            <a:pPr lvl="1"/>
+            <a:r>
+              <a:rPr lang="en-US" dirty="0" smtClean="0"/>
+              <a:t>2</a:t>
+            </a:r>
+            <a:r>
+              <a:rPr lang="en-US" altLang="zh-CN" dirty="0" smtClean="0"/>
+              <a:t>-SAT</a:t>
+            </a:r>
+          </a:p>
+          <a:p>
+            <a:pPr lvl="1"/>
+            <a:r>
+              <a:rPr lang="en-US" dirty="0" smtClean="0"/>
+              <a:t>Random searching</a:t>
+            </a:r>
+          </a:p>
+          <a:p>
+            <a:pPr lvl="1"/>
+            <a:endParaRPr lang="en-US" dirty="0"/>
+          </a:p>
+          <a:p>
+            <a:r>
+              <a:rPr lang="en-US" dirty="0" smtClean="0"/>
+              <a:t>Problems</a:t>
+            </a:r>
+          </a:p>
+          <a:p>
+            <a:pPr lvl="1"/>
+            <a:r>
+              <a:rPr lang="en-US" dirty="0" smtClean="0"/>
+              <a:t>Slow</a:t>
+            </a:r>
+          </a:p>
+          <a:p>
+            <a:pPr lvl="1"/>
+            <a:r>
+              <a:rPr lang="en-US" dirty="0" smtClean="0"/>
+              <a:t>Sub-optimal result</a:t>
+            </a:r>
+            <a:endParaRPr lang="en-US" dirty="0"/>
+          </a:p>
+          <a:p>
+            <a:pPr lvl="1"/>
+            <a:endParaRPr lang="en-US" dirty="0" smtClean="0"/>
+          </a:p>
+        </p:txBody>
+      </p:sp>
       <p:sp>
         <p:nvSpPr>
           <p:cNvPr id="4" name="Slide Number Placeholder 3"/>
@@ -12779,7 +12673,7 @@
     </p:spTree>
     <p:extLst>
       <p:ext uri="{BB962C8B-B14F-4D97-AF65-F5344CB8AC3E}">
-        <p14:creationId xmlns:p14="http://schemas.microsoft.com/office/powerpoint/2010/main" val="3795618714"/>
+        <p14:creationId xmlns:p14="http://schemas.microsoft.com/office/powerpoint/2010/main" val="1081876456"/>
       </p:ext>
     </p:extLst>
   </p:cSld>
@@ -12823,10 +12717,33 @@
             <p:ph type="title"/>
           </p:nvPr>
         </p:nvSpPr>
+        <p:spPr/>
+        <p:txBody>
+          <a:bodyPr/>
+          <a:lstStyle/>
+          <a:p>
+            <a:r>
+              <a:rPr lang="en-US" dirty="0" smtClean="0"/>
+              <a:t>Random search</a:t>
+            </a:r>
+            <a:endParaRPr lang="en-US" dirty="0"/>
+          </a:p>
+        </p:txBody>
+      </p:sp>
+      <p:sp>
+        <p:nvSpPr>
+          <p:cNvPr id="3" name="Content Placeholder 2"/>
+          <p:cNvSpPr>
+            <a:spLocks noGrp="1"/>
+          </p:cNvSpPr>
+          <p:nvPr>
+            <p:ph idx="1"/>
+          </p:nvPr>
+        </p:nvSpPr>
         <p:spPr>
           <a:xfrm>
-            <a:off x="484710" y="452718"/>
-            <a:ext cx="7055380" cy="685202"/>
+            <a:off x="827699" y="2052925"/>
+            <a:ext cx="7229181" cy="4195481"/>
           </a:xfrm>
         </p:spPr>
         <p:txBody>
@@ -12834,123 +12751,62 @@
           <a:lstStyle/>
           <a:p>
             <a:r>
-              <a:rPr lang="en-US" sz="3600" dirty="0" smtClean="0"/>
-              <a:t>Finding the best input vector</a:t>
-            </a:r>
-            <a:endParaRPr lang="en-US" sz="3600" dirty="0"/>
-          </a:p>
-        </p:txBody>
-      </p:sp>
-      <p:sp>
-        <p:nvSpPr>
-          <p:cNvPr id="3" name="Content Placeholder 2"/>
-          <p:cNvSpPr>
-            <a:spLocks noGrp="1"/>
-          </p:cNvSpPr>
-          <p:nvPr>
-            <p:ph idx="1"/>
-          </p:nvPr>
-        </p:nvSpPr>
-        <p:spPr>
-          <a:xfrm>
-            <a:off x="828436" y="1392525"/>
-            <a:ext cx="6711654" cy="4977795"/>
-          </a:xfrm>
-        </p:spPr>
-        <p:txBody>
-          <a:bodyPr>
-            <a:normAutofit lnSpcReduction="10000"/>
-          </a:bodyPr>
-          <a:lstStyle/>
-          <a:p>
-            <a:r>
-              <a:rPr lang="en-US" altLang="zh-CN" dirty="0" smtClean="0"/>
-              <a:t>NP-Complete problem</a:t>
+              <a:rPr lang="en-US" dirty="0" smtClean="0"/>
+              <a:t>A large class of algorithms based on random numbers</a:t>
+            </a:r>
+          </a:p>
+          <a:p>
+            <a:endParaRPr lang="en-US" dirty="0" smtClean="0"/>
+          </a:p>
+          <a:p>
+            <a:r>
+              <a:rPr lang="en-US" dirty="0" smtClean="0"/>
+              <a:t>Crude and simple, but can be sometimes effective</a:t>
+            </a:r>
+          </a:p>
+          <a:p>
+            <a:endParaRPr lang="en-US" dirty="0"/>
+          </a:p>
+          <a:p>
+            <a:r>
+              <a:rPr lang="en-US" dirty="0" smtClean="0"/>
+              <a:t>Simplest random search: </a:t>
             </a:r>
           </a:p>
           <a:p>
             <a:pPr lvl="1"/>
             <a:r>
               <a:rPr lang="en-US" dirty="0" smtClean="0"/>
-              <a:t>Heuristic algorithm</a:t>
-            </a:r>
+              <a:t>n=64 inputs</a:t>
+            </a:r>
+            <a:endParaRPr lang="en-US" dirty="0"/>
           </a:p>
           <a:p>
             <a:pPr lvl="1"/>
             <a:r>
               <a:rPr lang="en-US" dirty="0" smtClean="0"/>
-              <a:t>Random search</a:t>
-            </a:r>
-          </a:p>
-          <a:p>
-            <a:endParaRPr lang="en-US" dirty="0"/>
-          </a:p>
-          <a:p>
+              <a:t>Number of state N=1.845×10</a:t>
+            </a:r>
+            <a:r>
+              <a:rPr lang="en-US" baseline="30000" dirty="0" smtClean="0"/>
+              <a:t>19</a:t>
+            </a:r>
+            <a:endParaRPr lang="en-US" dirty="0" smtClean="0"/>
+          </a:p>
+          <a:p>
+            <a:pPr lvl="1"/>
             <a:r>
               <a:rPr lang="en-US" dirty="0" smtClean="0"/>
-              <a:t>Existing Algorithms</a:t>
-            </a:r>
-          </a:p>
-          <a:p>
-            <a:pPr lvl="1"/>
+              <a:t>Random search ~10</a:t>
+            </a:r>
+            <a:r>
+              <a:rPr lang="en-US" baseline="30000" dirty="0"/>
+              <a:t>8</a:t>
+            </a:r>
             <a:r>
               <a:rPr lang="en-US" dirty="0" smtClean="0"/>
-              <a:t>Linear programming</a:t>
-            </a:r>
-          </a:p>
-          <a:p>
-            <a:pPr lvl="1"/>
-            <a:r>
-              <a:rPr lang="en-US" dirty="0" smtClean="0"/>
-              <a:t>Dynamic programming</a:t>
-            </a:r>
-          </a:p>
-          <a:p>
-            <a:pPr lvl="1"/>
-            <a:r>
-              <a:rPr lang="en-US" dirty="0" smtClean="0"/>
-              <a:t>2</a:t>
-            </a:r>
-            <a:r>
-              <a:rPr lang="en-US" altLang="zh-CN" dirty="0" smtClean="0"/>
-              <a:t>-SAT</a:t>
-            </a:r>
-          </a:p>
-          <a:p>
-            <a:pPr lvl="1"/>
-            <a:r>
-              <a:rPr lang="en-US" dirty="0" smtClean="0"/>
-              <a:t>Random searching</a:t>
-            </a:r>
-          </a:p>
-          <a:p>
-            <a:pPr lvl="1"/>
-            <a:endParaRPr lang="en-US" dirty="0"/>
-          </a:p>
-          <a:p>
-            <a:r>
-              <a:rPr lang="en-US" dirty="0" smtClean="0"/>
-              <a:t>Problems</a:t>
-            </a:r>
-          </a:p>
-          <a:p>
-            <a:pPr lvl="1"/>
-            <a:r>
-              <a:rPr lang="en-US" dirty="0" smtClean="0"/>
-              <a:t>Slow</a:t>
-            </a:r>
-          </a:p>
-          <a:p>
-            <a:pPr lvl="1"/>
-            <a:r>
-              <a:rPr lang="en-US" dirty="0" smtClean="0"/>
-              <a:t>Sub-optimal result</a:t>
-            </a:r>
-            <a:endParaRPr lang="en-US" dirty="0"/>
-          </a:p>
-          <a:p>
-            <a:pPr lvl="1"/>
-            <a:endParaRPr lang="en-US" dirty="0" smtClean="0"/>
+              <a:t> states</a:t>
+            </a:r>
           </a:p>
         </p:txBody>
       </p:sp>
@@ -12980,7 +12836,7 @@
     </p:spTree>
     <p:extLst>
       <p:ext uri="{BB962C8B-B14F-4D97-AF65-F5344CB8AC3E}">
-        <p14:creationId xmlns:p14="http://schemas.microsoft.com/office/powerpoint/2010/main" val="1081876456"/>
+        <p14:creationId xmlns:p14="http://schemas.microsoft.com/office/powerpoint/2010/main" val="3072547121"/>
       </p:ext>
     </p:extLst>
   </p:cSld>
@@ -13024,169 +12880,6 @@
             <p:ph type="title"/>
           </p:nvPr>
         </p:nvSpPr>
-        <p:spPr/>
-        <p:txBody>
-          <a:bodyPr/>
-          <a:lstStyle/>
-          <a:p>
-            <a:r>
-              <a:rPr lang="en-US" dirty="0" smtClean="0"/>
-              <a:t>Random search</a:t>
-            </a:r>
-            <a:endParaRPr lang="en-US" dirty="0"/>
-          </a:p>
-        </p:txBody>
-      </p:sp>
-      <p:sp>
-        <p:nvSpPr>
-          <p:cNvPr id="3" name="Content Placeholder 2"/>
-          <p:cNvSpPr>
-            <a:spLocks noGrp="1"/>
-          </p:cNvSpPr>
-          <p:nvPr>
-            <p:ph idx="1"/>
-          </p:nvPr>
-        </p:nvSpPr>
-        <p:spPr>
-          <a:xfrm>
-            <a:off x="827699" y="2052925"/>
-            <a:ext cx="7229181" cy="4195481"/>
-          </a:xfrm>
-        </p:spPr>
-        <p:txBody>
-          <a:bodyPr/>
-          <a:lstStyle/>
-          <a:p>
-            <a:r>
-              <a:rPr lang="en-US" dirty="0" smtClean="0"/>
-              <a:t>A large class of algorithms based on random numbers</a:t>
-            </a:r>
-          </a:p>
-          <a:p>
-            <a:endParaRPr lang="en-US" dirty="0" smtClean="0"/>
-          </a:p>
-          <a:p>
-            <a:r>
-              <a:rPr lang="en-US" dirty="0" smtClean="0"/>
-              <a:t>Crude and simple, but can be sometimes effective</a:t>
-            </a:r>
-          </a:p>
-          <a:p>
-            <a:endParaRPr lang="en-US" dirty="0"/>
-          </a:p>
-          <a:p>
-            <a:r>
-              <a:rPr lang="en-US" dirty="0" smtClean="0"/>
-              <a:t>Simplest random search: </a:t>
-            </a:r>
-          </a:p>
-          <a:p>
-            <a:pPr lvl="1"/>
-            <a:r>
-              <a:rPr lang="en-US" dirty="0" smtClean="0"/>
-              <a:t>n=64 inputs</a:t>
-            </a:r>
-            <a:endParaRPr lang="en-US" dirty="0"/>
-          </a:p>
-          <a:p>
-            <a:pPr lvl="1"/>
-            <a:r>
-              <a:rPr lang="en-US" dirty="0" smtClean="0"/>
-              <a:t>Number of state N=1.845×10</a:t>
-            </a:r>
-            <a:r>
-              <a:rPr lang="en-US" baseline="30000" dirty="0" smtClean="0"/>
-              <a:t>19</a:t>
-            </a:r>
-            <a:endParaRPr lang="en-US" dirty="0" smtClean="0"/>
-          </a:p>
-          <a:p>
-            <a:pPr lvl="1"/>
-            <a:r>
-              <a:rPr lang="en-US" dirty="0" smtClean="0"/>
-              <a:t>Random search ~10</a:t>
-            </a:r>
-            <a:r>
-              <a:rPr lang="en-US" baseline="30000" dirty="0"/>
-              <a:t>8</a:t>
-            </a:r>
-            <a:r>
-              <a:rPr lang="en-US" dirty="0" smtClean="0"/>
-              <a:t> states</a:t>
-            </a:r>
-          </a:p>
-        </p:txBody>
-      </p:sp>
-      <p:sp>
-        <p:nvSpPr>
-          <p:cNvPr id="4" name="Slide Number Placeholder 3"/>
-          <p:cNvSpPr>
-            <a:spLocks noGrp="1"/>
-          </p:cNvSpPr>
-          <p:nvPr>
-            <p:ph type="sldNum" sz="quarter" idx="12"/>
-          </p:nvPr>
-        </p:nvSpPr>
-        <p:spPr/>
-        <p:txBody>
-          <a:bodyPr/>
-          <a:lstStyle/>
-          <a:p>
-            <a:fld id="{D57F1E4F-1CFF-5643-939E-02111984F565}" type="slidenum">
-              <a:rPr lang="en-US" smtClean="0"/>
-              <a:t>6</a:t>
-            </a:fld>
-            <a:endParaRPr lang="en-US" dirty="0"/>
-          </a:p>
-        </p:txBody>
-      </p:sp>
-    </p:spTree>
-    <p:extLst>
-      <p:ext uri="{BB962C8B-B14F-4D97-AF65-F5344CB8AC3E}">
-        <p14:creationId xmlns:p14="http://schemas.microsoft.com/office/powerpoint/2010/main" val="3072547121"/>
-      </p:ext>
-    </p:extLst>
-  </p:cSld>
-  <p:clrMapOvr>
-    <a:masterClrMapping/>
-  </p:clrMapOvr>
-  <p:timing>
-    <p:tnLst>
-      <p:par>
-        <p:cTn id="1" dur="indefinite" restart="never" nodeType="tmRoot"/>
-      </p:par>
-    </p:tnLst>
-  </p:timing>
-</p:sld>
-</file>
-
-<file path=ppt/slides/slide7.xml><?xml version="1.0" encoding="utf-8"?>
-<p:sld xmlns:a="http://schemas.openxmlformats.org/drawingml/2006/main" xmlns:r="http://schemas.openxmlformats.org/officeDocument/2006/relationships" xmlns:p="http://schemas.openxmlformats.org/presentationml/2006/main">
-  <p:cSld>
-    <p:spTree>
-      <p:nvGrpSpPr>
-        <p:cNvPr id="1" name=""/>
-        <p:cNvGrpSpPr/>
-        <p:nvPr/>
-      </p:nvGrpSpPr>
-      <p:grpSpPr>
-        <a:xfrm>
-          <a:off x="0" y="0"/>
-          <a:ext cx="0" cy="0"/>
-          <a:chOff x="0" y="0"/>
-          <a:chExt cx="0" cy="0"/>
-        </a:xfrm>
-      </p:grpSpPr>
-      <p:sp>
-        <p:nvSpPr>
-          <p:cNvPr id="2" name="Title 1"/>
-          <p:cNvSpPr>
-            <a:spLocks noGrp="1"/>
-          </p:cNvSpPr>
-          <p:nvPr>
-            <p:ph type="title"/>
-          </p:nvPr>
-        </p:nvSpPr>
         <p:spPr>
           <a:xfrm>
             <a:off x="372042" y="363158"/>
@@ -13263,7 +12956,7 @@
           <a:p>
             <a:fld id="{D57F1E4F-1CFF-5643-939E-02111984F565}" type="slidenum">
               <a:rPr lang="en-US" smtClean="0"/>
-              <a:t>7</a:t>
+              <a:t>6</a:t>
             </a:fld>
             <a:endParaRPr lang="en-US" dirty="0"/>
           </a:p>
@@ -13319,7 +13012,7 @@
 </p:sld>
 </file>
 
-<file path=ppt/slides/slide8.xml><?xml version="1.0" encoding="utf-8"?>
+<file path=ppt/slides/slide7.xml><?xml version="1.0" encoding="utf-8"?>
 <p:sld xmlns:a="http://schemas.openxmlformats.org/drawingml/2006/main" xmlns:r="http://schemas.openxmlformats.org/officeDocument/2006/relationships" xmlns:p="http://schemas.openxmlformats.org/presentationml/2006/main">
   <p:cSld>
     <p:spTree>
@@ -13406,7 +13099,7 @@
           <a:p>
             <a:fld id="{D57F1E4F-1CFF-5643-939E-02111984F565}" type="slidenum">
               <a:rPr lang="en-US" smtClean="0"/>
-              <a:t>8</a:t>
+              <a:t>7</a:t>
             </a:fld>
             <a:endParaRPr lang="en-US" dirty="0"/>
           </a:p>
@@ -14080,7 +13773,7 @@
 </p:sld>
 </file>
 
-<file path=ppt/slides/slide9.xml><?xml version="1.0" encoding="utf-8"?>
+<file path=ppt/slides/slide8.xml><?xml version="1.0" encoding="utf-8"?>
 <p:sld xmlns:a="http://schemas.openxmlformats.org/drawingml/2006/main" xmlns:r="http://schemas.openxmlformats.org/officeDocument/2006/relationships" xmlns:p="http://schemas.openxmlformats.org/presentationml/2006/main">
   <p:cSld>
     <p:spTree>
@@ -14137,7 +13830,7 @@
           <a:p>
             <a:fld id="{D57F1E4F-1CFF-5643-939E-02111984F565}" type="slidenum">
               <a:rPr lang="en-US" smtClean="0"/>
-              <a:t>9</a:t>
+              <a:t>8</a:t>
             </a:fld>
             <a:endParaRPr lang="en-US" dirty="0"/>
           </a:p>
@@ -14451,8 +14144,8 @@
         </p:nvSpPr>
         <p:spPr>
           <a:xfrm>
-            <a:off x="3056825" y="1483072"/>
-            <a:ext cx="5681822" cy="5262979"/>
+            <a:off x="3077145" y="1379577"/>
+            <a:ext cx="5681822" cy="5478423"/>
           </a:xfrm>
           <a:prstGeom prst="rect">
             <a:avLst/>
@@ -14531,8 +14224,33 @@
                 <a:latin typeface="Courier New" panose="02070309020205020404" pitchFamily="49" charset="0"/>
                 <a:cs typeface="Courier New" panose="02070309020205020404" pitchFamily="49" charset="0"/>
               </a:rPr>
-              <a:t>while(true){</a:t>
-            </a:r>
+              <a:t>while(T&lt;</a:t>
+            </a:r>
+            <a:r>
+              <a:rPr lang="en-US" sz="1400" dirty="0" err="1" smtClean="0">
+                <a:latin typeface="Courier New" panose="02070309020205020404" pitchFamily="49" charset="0"/>
+                <a:cs typeface="Courier New" panose="02070309020205020404" pitchFamily="49" charset="0"/>
+              </a:rPr>
+              <a:t>T</a:t>
+            </a:r>
+            <a:r>
+              <a:rPr lang="en-US" sz="1400" baseline="-25000" dirty="0" err="1" smtClean="0">
+                <a:latin typeface="Courier New" panose="02070309020205020404" pitchFamily="49" charset="0"/>
+                <a:cs typeface="Courier New" panose="02070309020205020404" pitchFamily="49" charset="0"/>
+              </a:rPr>
+              <a:t>final</a:t>
+            </a:r>
+            <a:r>
+              <a:rPr lang="en-US" sz="1400" dirty="0" smtClean="0">
+                <a:latin typeface="Courier New" panose="02070309020205020404" pitchFamily="49" charset="0"/>
+                <a:cs typeface="Courier New" panose="02070309020205020404" pitchFamily="49" charset="0"/>
+              </a:rPr>
+              <a:t>){</a:t>
+            </a:r>
+            <a:endParaRPr lang="en-US" sz="1400" dirty="0" smtClean="0">
+              <a:latin typeface="Courier New" panose="02070309020205020404" pitchFamily="49" charset="0"/>
+              <a:cs typeface="Courier New" panose="02070309020205020404" pitchFamily="49" charset="0"/>
+            </a:endParaRPr>
           </a:p>
           <a:p>
             <a:pPr lvl="1"/>
@@ -14626,18 +14344,18 @@
               <a:t>	</a:t>
             </a:r>
             <a:r>
-              <a:rPr lang="en-US" sz="1400" dirty="0" err="1" smtClean="0">
-                <a:latin typeface="Courier New" panose="02070309020205020404" pitchFamily="49" charset="0"/>
-                <a:cs typeface="Courier New" panose="02070309020205020404" pitchFamily="49" charset="0"/>
-              </a:rPr>
-              <a:t>min_leak</a:t>
-            </a:r>
-            <a:r>
               <a:rPr lang="en-US" sz="1400" dirty="0" smtClean="0">
                 <a:latin typeface="Courier New" panose="02070309020205020404" pitchFamily="49" charset="0"/>
                 <a:cs typeface="Courier New" panose="02070309020205020404" pitchFamily="49" charset="0"/>
               </a:rPr>
-              <a:t> = </a:t>
+              <a:t>leak </a:t>
+            </a:r>
+            <a:r>
+              <a:rPr lang="en-US" sz="1400" dirty="0" smtClean="0">
+                <a:latin typeface="Courier New" panose="02070309020205020404" pitchFamily="49" charset="0"/>
+                <a:cs typeface="Courier New" panose="02070309020205020404" pitchFamily="49" charset="0"/>
+              </a:rPr>
+              <a:t>= </a:t>
             </a:r>
             <a:r>
               <a:rPr lang="en-US" sz="1400" dirty="0" err="1" smtClean="0">
@@ -14884,8 +14602,29 @@
                 <a:latin typeface="Courier New" panose="02070309020205020404" pitchFamily="49" charset="0"/>
                 <a:cs typeface="Courier New" panose="02070309020205020404" pitchFamily="49" charset="0"/>
               </a:rPr>
-              <a:t>		input[index].flip();</a:t>
-            </a:r>
+              <a:t>		input[index].flip</a:t>
+            </a:r>
+            <a:r>
+              <a:rPr lang="en-US" sz="1400" dirty="0" smtClean="0">
+                <a:latin typeface="Courier New" panose="02070309020205020404" pitchFamily="49" charset="0"/>
+                <a:cs typeface="Courier New" panose="02070309020205020404" pitchFamily="49" charset="0"/>
+              </a:rPr>
+              <a:t>();</a:t>
+            </a:r>
+          </a:p>
+          <a:p>
+            <a:pPr lvl="1"/>
+            <a:r>
+              <a:rPr lang="en-US" sz="1400" dirty="0" smtClean="0">
+                <a:latin typeface="Courier New" panose="02070309020205020404" pitchFamily="49" charset="0"/>
+                <a:cs typeface="Courier New" panose="02070309020205020404" pitchFamily="49" charset="0"/>
+              </a:rPr>
+              <a:t>			continue;</a:t>
+            </a:r>
+            <a:endParaRPr lang="en-US" sz="1400" dirty="0" smtClean="0">
+              <a:latin typeface="Courier New" panose="02070309020205020404" pitchFamily="49" charset="0"/>
+              <a:cs typeface="Courier New" panose="02070309020205020404" pitchFamily="49" charset="0"/>
+            </a:endParaRPr>
           </a:p>
           <a:p>
             <a:pPr lvl="1"/>
@@ -14962,6 +14701,166 @@
     <p:extLst>
       <p:ext uri="{BB962C8B-B14F-4D97-AF65-F5344CB8AC3E}">
         <p14:creationId xmlns:p14="http://schemas.microsoft.com/office/powerpoint/2010/main" val="796393087"/>
+      </p:ext>
+    </p:extLst>
+  </p:cSld>
+  <p:clrMapOvr>
+    <a:masterClrMapping/>
+  </p:clrMapOvr>
+  <p:timing>
+    <p:tnLst>
+      <p:par>
+        <p:cTn id="1" dur="indefinite" restart="never" nodeType="tmRoot"/>
+      </p:par>
+    </p:tnLst>
+  </p:timing>
+</p:sld>
+</file>
+
+<file path=ppt/slides/slide9.xml><?xml version="1.0" encoding="utf-8"?>
+<p:sld xmlns:a="http://schemas.openxmlformats.org/drawingml/2006/main" xmlns:r="http://schemas.openxmlformats.org/officeDocument/2006/relationships" xmlns:p="http://schemas.openxmlformats.org/presentationml/2006/main">
+  <p:cSld>
+    <p:spTree>
+      <p:nvGrpSpPr>
+        <p:cNvPr id="1" name=""/>
+        <p:cNvGrpSpPr/>
+        <p:nvPr/>
+      </p:nvGrpSpPr>
+      <p:grpSpPr>
+        <a:xfrm>
+          <a:off x="0" y="0"/>
+          <a:ext cx="0" cy="0"/>
+          <a:chOff x="0" y="0"/>
+          <a:chExt cx="0" cy="0"/>
+        </a:xfrm>
+      </p:grpSpPr>
+      <p:sp>
+        <p:nvSpPr>
+          <p:cNvPr id="2" name="Title 1"/>
+          <p:cNvSpPr>
+            <a:spLocks noGrp="1"/>
+          </p:cNvSpPr>
+          <p:nvPr>
+            <p:ph type="title"/>
+          </p:nvPr>
+        </p:nvSpPr>
+        <p:spPr/>
+        <p:txBody>
+          <a:bodyPr/>
+          <a:lstStyle/>
+          <a:p>
+            <a:r>
+              <a:rPr lang="en-US" dirty="0" smtClean="0"/>
+              <a:t>Extra heuristics</a:t>
+            </a:r>
+            <a:endParaRPr lang="en-US" dirty="0"/>
+          </a:p>
+        </p:txBody>
+      </p:sp>
+      <p:sp>
+        <p:nvSpPr>
+          <p:cNvPr id="3" name="Content Placeholder 2"/>
+          <p:cNvSpPr>
+            <a:spLocks noGrp="1"/>
+          </p:cNvSpPr>
+          <p:nvPr>
+            <p:ph idx="1"/>
+          </p:nvPr>
+        </p:nvSpPr>
+        <p:spPr>
+          <a:xfrm>
+            <a:off x="827699" y="2052925"/>
+            <a:ext cx="7307633" cy="4195481"/>
+          </a:xfrm>
+        </p:spPr>
+        <p:txBody>
+          <a:bodyPr/>
+          <a:lstStyle/>
+          <a:p>
+            <a:r>
+              <a:rPr lang="en-US" dirty="0" smtClean="0"/>
+              <a:t>Since only one bit is flipped, possibility of getting stuck</a:t>
+            </a:r>
+          </a:p>
+          <a:p>
+            <a:pPr lvl="1"/>
+            <a:r>
+              <a:rPr lang="en-US" dirty="0" smtClean="0"/>
+              <a:t>Example: T=0.5</a:t>
+            </a:r>
+            <a:endParaRPr lang="en-US" dirty="0"/>
+          </a:p>
+          <a:p>
+            <a:pPr lvl="1"/>
+            <a:r>
+              <a:rPr lang="en-US" dirty="0" smtClean="0"/>
+              <a:t>0000000011000000	10</a:t>
+            </a:r>
+          </a:p>
+          <a:p>
+            <a:pPr lvl="1"/>
+            <a:r>
+              <a:rPr lang="en-US" dirty="0" smtClean="0"/>
+              <a:t>0000000010000000	15</a:t>
+            </a:r>
+          </a:p>
+          <a:p>
+            <a:pPr lvl="1"/>
+            <a:r>
+              <a:rPr lang="en-US" dirty="0" smtClean="0"/>
+              <a:t>0000000001000000	15</a:t>
+            </a:r>
+          </a:p>
+          <a:p>
+            <a:pPr lvl="1"/>
+            <a:r>
+              <a:rPr lang="en-US" dirty="0" smtClean="0"/>
+              <a:t>0000000000000000	8</a:t>
+            </a:r>
+          </a:p>
+          <a:p>
+            <a:r>
+              <a:rPr lang="en-US" dirty="0" smtClean="0"/>
+              <a:t>Solution: Do relaxation after several iterations</a:t>
+            </a:r>
+          </a:p>
+          <a:p>
+            <a:pPr lvl="1"/>
+            <a:r>
+              <a:rPr lang="en-US" dirty="0" smtClean="0"/>
+              <a:t>Enumerate and try all possible two-bit flips</a:t>
+            </a:r>
+            <a:endParaRPr lang="en-US" dirty="0"/>
+          </a:p>
+        </p:txBody>
+      </p:sp>
+      <p:sp>
+        <p:nvSpPr>
+          <p:cNvPr id="4" name="Slide Number Placeholder 3"/>
+          <p:cNvSpPr>
+            <a:spLocks noGrp="1"/>
+          </p:cNvSpPr>
+          <p:nvPr>
+            <p:ph type="sldNum" sz="quarter" idx="12"/>
+          </p:nvPr>
+        </p:nvSpPr>
+        <p:spPr/>
+        <p:txBody>
+          <a:bodyPr/>
+          <a:lstStyle/>
+          <a:p>
+            <a:fld id="{D57F1E4F-1CFF-5643-939E-02111984F565}" type="slidenum">
+              <a:rPr lang="en-US" smtClean="0"/>
+              <a:t>9</a:t>
+            </a:fld>
+            <a:endParaRPr lang="en-US" dirty="0"/>
+          </a:p>
+        </p:txBody>
+      </p:sp>
+    </p:spTree>
+    <p:extLst>
+      <p:ext uri="{BB962C8B-B14F-4D97-AF65-F5344CB8AC3E}">
+        <p14:creationId xmlns:p14="http://schemas.microsoft.com/office/powerpoint/2010/main" val="1208926355"/>
       </p:ext>
     </p:extLst>
   </p:cSld>
